--- a/Courses/Applied-Programmer/Programming-Basics/02-Пресмятания-оператори-изрази/03.Четене-и-печатане-на-конзолата.pptx
+++ b/Courses/Applied-Programmer/Programming-Basics/02-Пресмятания-оператори-изрази/03.Четене-и-печатане-на-конзолата.pptx
@@ -311,7 +311,7 @@
             <a:fld id="{FE5B4EDC-59C0-49C7-8ADA-5A781B329E02}" type="datetimeFigureOut">
               <a:rPr lang="en-US"/>
               <a:pPr/>
-              <a:t>16-Dec-19</a:t>
+              <a:t>09-Nov-20</a:t>
             </a:fld>
             <a:endParaRPr dirty="0"/>
           </a:p>
@@ -609,7 +609,7 @@
             <a:fld id="{F2D8D46A-B586-417D-BFBD-8C8FE0AAF762}" type="datetimeFigureOut">
               <a:rPr lang="en-US" smtClean="0"/>
               <a:pPr/>
-              <a:t>16-Dec-19</a:t>
+              <a:t>09-Nov-20</a:t>
             </a:fld>
             <a:endParaRPr lang="en-US" dirty="0"/>
           </a:p>
@@ -3651,19 +3651,19 @@
         </p:nvSpPr>
         <p:spPr>
           <a:xfrm>
-            <a:off x="3579812" y="762000"/>
-            <a:ext cx="7910299" cy="1095352"/>
+            <a:off x="2589212" y="762000"/>
+            <a:ext cx="8900899" cy="1095352"/>
           </a:xfrm>
         </p:spPr>
         <p:txBody>
           <a:bodyPr>
-            <a:normAutofit/>
+            <a:normAutofit fontScale="90000"/>
           </a:bodyPr>
           <a:lstStyle/>
           <a:p>
             <a:r>
               <a:rPr lang="bg-BG" dirty="0"/>
-              <a:t>Прости пресмятания</a:t>
+              <a:t>Четене и  печатане на конзолата</a:t>
             </a:r>
             <a:endParaRPr lang="en-US" dirty="0"/>
           </a:p>

--- a/Courses/Applied-Programmer/Programming-Basics/02-Пресмятания-оператори-изрази/03.Четене-и-печатане-на-конзолата.pptx
+++ b/Courses/Applied-Programmer/Programming-Basics/02-Пресмятания-оператори-изрази/03.Четене-и-печатане-на-конзолата.pptx
@@ -6979,6 +6979,113 @@
           </a:p>
         </p:txBody>
       </p:sp>
+      <p:sp>
+        <p:nvSpPr>
+          <p:cNvPr id="8" name="Текстово поле 7">
+            <a:extLst>
+              <a:ext uri="{FF2B5EF4-FFF2-40B4-BE49-F238E27FC236}">
+                <a16:creationId xmlns:a16="http://schemas.microsoft.com/office/drawing/2014/main" id="{5FF7CDB7-60EA-4B5F-8693-BF11148382FE}"/>
+              </a:ext>
+            </a:extLst>
+          </p:cNvPr>
+          <p:cNvSpPr txBox="1"/>
+          <p:nvPr/>
+        </p:nvSpPr>
+        <p:spPr>
+          <a:xfrm>
+            <a:off x="1328726" y="5876948"/>
+            <a:ext cx="9524999" cy="865173"/>
+          </a:xfrm>
+          <a:prstGeom prst="rect">
+            <a:avLst/>
+          </a:prstGeom>
+          <a:noFill/>
+        </p:spPr>
+        <p:txBody>
+          <a:bodyPr wrap="square">
+            <a:spAutoFit/>
+          </a:bodyPr>
+          <a:lstStyle/>
+          <a:p>
+            <a:pPr marL="0" marR="0" algn="ctr">
+              <a:lnSpc>
+                <a:spcPct val="107000"/>
+              </a:lnSpc>
+              <a:spcBef>
+                <a:spcPts val="0"/>
+              </a:spcBef>
+              <a:spcAft>
+                <a:spcPts val="0"/>
+              </a:spcAft>
+            </a:pPr>
+            <a:r>
+              <a:rPr lang="bg-BG" sz="2400" dirty="0">
+                <a:effectLst/>
+                <a:latin typeface="Calibri" panose="020F0502020204030204" pitchFamily="34" charset="0"/>
+                <a:ea typeface="Calibri" panose="020F0502020204030204" pitchFamily="34" charset="0"/>
+                <a:cs typeface="Times New Roman" panose="02020603050405020304" pitchFamily="18" charset="0"/>
+              </a:rPr>
+              <a:t>Тествайте в </a:t>
+            </a:r>
+            <a:r>
+              <a:rPr lang="en-US" sz="2400" dirty="0">
+                <a:effectLst/>
+                <a:latin typeface="Calibri" panose="020F0502020204030204" pitchFamily="34" charset="0"/>
+                <a:ea typeface="Calibri" panose="020F0502020204030204" pitchFamily="34" charset="0"/>
+                <a:cs typeface="Times New Roman" panose="02020603050405020304" pitchFamily="18" charset="0"/>
+              </a:rPr>
+              <a:t>Judge:</a:t>
+            </a:r>
+            <a:endParaRPr lang="bg-BG" sz="2400" dirty="0">
+              <a:effectLst/>
+              <a:latin typeface="Calibri" panose="020F0502020204030204" pitchFamily="34" charset="0"/>
+              <a:ea typeface="Calibri" panose="020F0502020204030204" pitchFamily="34" charset="0"/>
+              <a:cs typeface="Times New Roman" panose="02020603050405020304" pitchFamily="18" charset="0"/>
+            </a:endParaRPr>
+          </a:p>
+          <a:p>
+            <a:pPr marL="0" marR="0" algn="ctr">
+              <a:lnSpc>
+                <a:spcPct val="107000"/>
+              </a:lnSpc>
+              <a:spcBef>
+                <a:spcPts val="0"/>
+              </a:spcBef>
+              <a:spcAft>
+                <a:spcPts val="800"/>
+              </a:spcAft>
+            </a:pPr>
+            <a:r>
+              <a:rPr lang="en-US" sz="2400" dirty="0">
+                <a:effectLst/>
+                <a:latin typeface="Calibri" panose="020F0502020204030204" pitchFamily="34" charset="0"/>
+                <a:ea typeface="Calibri" panose="020F0502020204030204" pitchFamily="34" charset="0"/>
+                <a:cs typeface="Times New Roman" panose="02020603050405020304" pitchFamily="18" charset="0"/>
+              </a:rPr>
+              <a:t> </a:t>
+            </a:r>
+            <a:r>
+              <a:rPr lang="bg-BG" sz="2400" u="sng" dirty="0">
+                <a:solidFill>
+                  <a:srgbClr val="0563C1"/>
+                </a:solidFill>
+                <a:effectLst/>
+                <a:latin typeface="Calibri" panose="020F0502020204030204" pitchFamily="34" charset="0"/>
+                <a:ea typeface="Calibri" panose="020F0502020204030204" pitchFamily="34" charset="0"/>
+                <a:cs typeface="Times New Roman" panose="02020603050405020304" pitchFamily="18" charset="0"/>
+                <a:hlinkClick r:id="rId2"/>
+              </a:rPr>
+              <a:t>https://judge.softuni.bg/Contests/2630/Четене-и-печатане-на-конзолата</a:t>
+            </a:r>
+            <a:endParaRPr lang="bg-BG" sz="2400" dirty="0">
+              <a:effectLst/>
+              <a:latin typeface="Calibri" panose="020F0502020204030204" pitchFamily="34" charset="0"/>
+              <a:ea typeface="Calibri" panose="020F0502020204030204" pitchFamily="34" charset="0"/>
+              <a:cs typeface="Times New Roman" panose="02020603050405020304" pitchFamily="18" charset="0"/>
+            </a:endParaRPr>
+          </a:p>
+        </p:txBody>
+      </p:sp>
     </p:spTree>
     <p:extLst>
       <p:ext uri="{BB962C8B-B14F-4D97-AF65-F5344CB8AC3E}">
@@ -9137,6 +9244,113 @@
           </a:p>
         </p:txBody>
       </p:sp>
+      <p:sp>
+        <p:nvSpPr>
+          <p:cNvPr id="2" name="Текстово поле 1">
+            <a:extLst>
+              <a:ext uri="{FF2B5EF4-FFF2-40B4-BE49-F238E27FC236}">
+                <a16:creationId xmlns:a16="http://schemas.microsoft.com/office/drawing/2014/main" id="{FB7C7FD7-7C48-4CC8-AF47-8E98D939F08E}"/>
+              </a:ext>
+            </a:extLst>
+          </p:cNvPr>
+          <p:cNvSpPr txBox="1"/>
+          <p:nvPr/>
+        </p:nvSpPr>
+        <p:spPr>
+          <a:xfrm>
+            <a:off x="1328726" y="5856303"/>
+            <a:ext cx="9524999" cy="865173"/>
+          </a:xfrm>
+          <a:prstGeom prst="rect">
+            <a:avLst/>
+          </a:prstGeom>
+          <a:noFill/>
+        </p:spPr>
+        <p:txBody>
+          <a:bodyPr wrap="square">
+            <a:spAutoFit/>
+          </a:bodyPr>
+          <a:lstStyle/>
+          <a:p>
+            <a:pPr marL="0" marR="0" algn="ctr">
+              <a:lnSpc>
+                <a:spcPct val="107000"/>
+              </a:lnSpc>
+              <a:spcBef>
+                <a:spcPts val="0"/>
+              </a:spcBef>
+              <a:spcAft>
+                <a:spcPts val="0"/>
+              </a:spcAft>
+            </a:pPr>
+            <a:r>
+              <a:rPr lang="bg-BG" sz="2400" dirty="0">
+                <a:effectLst/>
+                <a:latin typeface="Calibri" panose="020F0502020204030204" pitchFamily="34" charset="0"/>
+                <a:ea typeface="Calibri" panose="020F0502020204030204" pitchFamily="34" charset="0"/>
+                <a:cs typeface="Times New Roman" panose="02020603050405020304" pitchFamily="18" charset="0"/>
+              </a:rPr>
+              <a:t>Тествайте в </a:t>
+            </a:r>
+            <a:r>
+              <a:rPr lang="en-US" sz="2400" dirty="0">
+                <a:effectLst/>
+                <a:latin typeface="Calibri" panose="020F0502020204030204" pitchFamily="34" charset="0"/>
+                <a:ea typeface="Calibri" panose="020F0502020204030204" pitchFamily="34" charset="0"/>
+                <a:cs typeface="Times New Roman" panose="02020603050405020304" pitchFamily="18" charset="0"/>
+              </a:rPr>
+              <a:t>Judge:</a:t>
+            </a:r>
+            <a:endParaRPr lang="bg-BG" sz="2400" dirty="0">
+              <a:effectLst/>
+              <a:latin typeface="Calibri" panose="020F0502020204030204" pitchFamily="34" charset="0"/>
+              <a:ea typeface="Calibri" panose="020F0502020204030204" pitchFamily="34" charset="0"/>
+              <a:cs typeface="Times New Roman" panose="02020603050405020304" pitchFamily="18" charset="0"/>
+            </a:endParaRPr>
+          </a:p>
+          <a:p>
+            <a:pPr marL="0" marR="0" algn="ctr">
+              <a:lnSpc>
+                <a:spcPct val="107000"/>
+              </a:lnSpc>
+              <a:spcBef>
+                <a:spcPts val="0"/>
+              </a:spcBef>
+              <a:spcAft>
+                <a:spcPts val="800"/>
+              </a:spcAft>
+            </a:pPr>
+            <a:r>
+              <a:rPr lang="en-US" sz="2400" dirty="0">
+                <a:effectLst/>
+                <a:latin typeface="Calibri" panose="020F0502020204030204" pitchFamily="34" charset="0"/>
+                <a:ea typeface="Calibri" panose="020F0502020204030204" pitchFamily="34" charset="0"/>
+                <a:cs typeface="Times New Roman" panose="02020603050405020304" pitchFamily="18" charset="0"/>
+              </a:rPr>
+              <a:t> </a:t>
+            </a:r>
+            <a:r>
+              <a:rPr lang="bg-BG" sz="2400" u="sng" dirty="0">
+                <a:solidFill>
+                  <a:srgbClr val="0563C1"/>
+                </a:solidFill>
+                <a:effectLst/>
+                <a:latin typeface="Calibri" panose="020F0502020204030204" pitchFamily="34" charset="0"/>
+                <a:ea typeface="Calibri" panose="020F0502020204030204" pitchFamily="34" charset="0"/>
+                <a:cs typeface="Times New Roman" panose="02020603050405020304" pitchFamily="18" charset="0"/>
+                <a:hlinkClick r:id="rId2"/>
+              </a:rPr>
+              <a:t>https://judge.softuni.bg/Contests/2630/Четене-и-печатане-на-конзолата</a:t>
+            </a:r>
+            <a:endParaRPr lang="bg-BG" sz="2400" dirty="0">
+              <a:effectLst/>
+              <a:latin typeface="Calibri" panose="020F0502020204030204" pitchFamily="34" charset="0"/>
+              <a:ea typeface="Calibri" panose="020F0502020204030204" pitchFamily="34" charset="0"/>
+              <a:cs typeface="Times New Roman" panose="02020603050405020304" pitchFamily="18" charset="0"/>
+            </a:endParaRPr>
+          </a:p>
+        </p:txBody>
+      </p:sp>
     </p:spTree>
     <p:extLst>
       <p:ext uri="{BB962C8B-B14F-4D97-AF65-F5344CB8AC3E}">
@@ -10022,6 +10236,113 @@
                   <a:tint val="75000"/>
                 </a:prstClr>
               </a:solidFill>
+            </a:endParaRPr>
+          </a:p>
+        </p:txBody>
+      </p:sp>
+      <p:sp>
+        <p:nvSpPr>
+          <p:cNvPr id="2" name="Текстово поле 1">
+            <a:extLst>
+              <a:ext uri="{FF2B5EF4-FFF2-40B4-BE49-F238E27FC236}">
+                <a16:creationId xmlns:a16="http://schemas.microsoft.com/office/drawing/2014/main" id="{8A65DCCB-1FCA-4632-AD9B-8CD1C0200B61}"/>
+              </a:ext>
+            </a:extLst>
+          </p:cNvPr>
+          <p:cNvSpPr txBox="1"/>
+          <p:nvPr/>
+        </p:nvSpPr>
+        <p:spPr>
+          <a:xfrm>
+            <a:off x="1328726" y="5914587"/>
+            <a:ext cx="9524999" cy="865173"/>
+          </a:xfrm>
+          <a:prstGeom prst="rect">
+            <a:avLst/>
+          </a:prstGeom>
+          <a:noFill/>
+        </p:spPr>
+        <p:txBody>
+          <a:bodyPr wrap="square">
+            <a:spAutoFit/>
+          </a:bodyPr>
+          <a:lstStyle/>
+          <a:p>
+            <a:pPr marL="0" marR="0" algn="ctr">
+              <a:lnSpc>
+                <a:spcPct val="107000"/>
+              </a:lnSpc>
+              <a:spcBef>
+                <a:spcPts val="0"/>
+              </a:spcBef>
+              <a:spcAft>
+                <a:spcPts val="0"/>
+              </a:spcAft>
+            </a:pPr>
+            <a:r>
+              <a:rPr lang="bg-BG" sz="2400" dirty="0">
+                <a:effectLst/>
+                <a:latin typeface="Calibri" panose="020F0502020204030204" pitchFamily="34" charset="0"/>
+                <a:ea typeface="Calibri" panose="020F0502020204030204" pitchFamily="34" charset="0"/>
+                <a:cs typeface="Times New Roman" panose="02020603050405020304" pitchFamily="18" charset="0"/>
+              </a:rPr>
+              <a:t>Тествайте в </a:t>
+            </a:r>
+            <a:r>
+              <a:rPr lang="en-US" sz="2400" dirty="0">
+                <a:effectLst/>
+                <a:latin typeface="Calibri" panose="020F0502020204030204" pitchFamily="34" charset="0"/>
+                <a:ea typeface="Calibri" panose="020F0502020204030204" pitchFamily="34" charset="0"/>
+                <a:cs typeface="Times New Roman" panose="02020603050405020304" pitchFamily="18" charset="0"/>
+              </a:rPr>
+              <a:t>Judge:</a:t>
+            </a:r>
+            <a:endParaRPr lang="bg-BG" sz="2400" dirty="0">
+              <a:effectLst/>
+              <a:latin typeface="Calibri" panose="020F0502020204030204" pitchFamily="34" charset="0"/>
+              <a:ea typeface="Calibri" panose="020F0502020204030204" pitchFamily="34" charset="0"/>
+              <a:cs typeface="Times New Roman" panose="02020603050405020304" pitchFamily="18" charset="0"/>
+            </a:endParaRPr>
+          </a:p>
+          <a:p>
+            <a:pPr marL="0" marR="0" algn="ctr">
+              <a:lnSpc>
+                <a:spcPct val="107000"/>
+              </a:lnSpc>
+              <a:spcBef>
+                <a:spcPts val="0"/>
+              </a:spcBef>
+              <a:spcAft>
+                <a:spcPts val="800"/>
+              </a:spcAft>
+            </a:pPr>
+            <a:r>
+              <a:rPr lang="en-US" sz="2400" dirty="0">
+                <a:effectLst/>
+                <a:latin typeface="Calibri" panose="020F0502020204030204" pitchFamily="34" charset="0"/>
+                <a:ea typeface="Calibri" panose="020F0502020204030204" pitchFamily="34" charset="0"/>
+                <a:cs typeface="Times New Roman" panose="02020603050405020304" pitchFamily="18" charset="0"/>
+              </a:rPr>
+              <a:t> </a:t>
+            </a:r>
+            <a:r>
+              <a:rPr lang="bg-BG" sz="2400" u="sng" dirty="0">
+                <a:solidFill>
+                  <a:srgbClr val="0563C1"/>
+                </a:solidFill>
+                <a:effectLst/>
+                <a:latin typeface="Calibri" panose="020F0502020204030204" pitchFamily="34" charset="0"/>
+                <a:ea typeface="Calibri" panose="020F0502020204030204" pitchFamily="34" charset="0"/>
+                <a:cs typeface="Times New Roman" panose="02020603050405020304" pitchFamily="18" charset="0"/>
+                <a:hlinkClick r:id="rId2"/>
+              </a:rPr>
+              <a:t>https://judge.softuni.bg/Contests/2630/Четене-и-печатане-на-конзолата</a:t>
+            </a:r>
+            <a:endParaRPr lang="bg-BG" sz="2400" dirty="0">
+              <a:effectLst/>
+              <a:latin typeface="Calibri" panose="020F0502020204030204" pitchFamily="34" charset="0"/>
+              <a:ea typeface="Calibri" panose="020F0502020204030204" pitchFamily="34" charset="0"/>
+              <a:cs typeface="Times New Roman" panose="02020603050405020304" pitchFamily="18" charset="0"/>
             </a:endParaRPr>
           </a:p>
         </p:txBody>
@@ -10910,6 +11231,113 @@
                   <a:tint val="75000"/>
                 </a:prstClr>
               </a:solidFill>
+            </a:endParaRPr>
+          </a:p>
+        </p:txBody>
+      </p:sp>
+      <p:sp>
+        <p:nvSpPr>
+          <p:cNvPr id="2" name="Текстово поле 1">
+            <a:extLst>
+              <a:ext uri="{FF2B5EF4-FFF2-40B4-BE49-F238E27FC236}">
+                <a16:creationId xmlns:a16="http://schemas.microsoft.com/office/drawing/2014/main" id="{FE9BCA38-ACB6-4292-8481-7E4A897F3C38}"/>
+              </a:ext>
+            </a:extLst>
+          </p:cNvPr>
+          <p:cNvSpPr txBox="1"/>
+          <p:nvPr/>
+        </p:nvSpPr>
+        <p:spPr>
+          <a:xfrm>
+            <a:off x="1328726" y="5860742"/>
+            <a:ext cx="9524999" cy="865173"/>
+          </a:xfrm>
+          <a:prstGeom prst="rect">
+            <a:avLst/>
+          </a:prstGeom>
+          <a:noFill/>
+        </p:spPr>
+        <p:txBody>
+          <a:bodyPr wrap="square">
+            <a:spAutoFit/>
+          </a:bodyPr>
+          <a:lstStyle/>
+          <a:p>
+            <a:pPr marL="0" marR="0" algn="ctr">
+              <a:lnSpc>
+                <a:spcPct val="107000"/>
+              </a:lnSpc>
+              <a:spcBef>
+                <a:spcPts val="0"/>
+              </a:spcBef>
+              <a:spcAft>
+                <a:spcPts val="0"/>
+              </a:spcAft>
+            </a:pPr>
+            <a:r>
+              <a:rPr lang="bg-BG" sz="2400" dirty="0">
+                <a:effectLst/>
+                <a:latin typeface="Calibri" panose="020F0502020204030204" pitchFamily="34" charset="0"/>
+                <a:ea typeface="Calibri" panose="020F0502020204030204" pitchFamily="34" charset="0"/>
+                <a:cs typeface="Times New Roman" panose="02020603050405020304" pitchFamily="18" charset="0"/>
+              </a:rPr>
+              <a:t>Тествайте в </a:t>
+            </a:r>
+            <a:r>
+              <a:rPr lang="en-US" sz="2400" dirty="0">
+                <a:effectLst/>
+                <a:latin typeface="Calibri" panose="020F0502020204030204" pitchFamily="34" charset="0"/>
+                <a:ea typeface="Calibri" panose="020F0502020204030204" pitchFamily="34" charset="0"/>
+                <a:cs typeface="Times New Roman" panose="02020603050405020304" pitchFamily="18" charset="0"/>
+              </a:rPr>
+              <a:t>Judge:</a:t>
+            </a:r>
+            <a:endParaRPr lang="bg-BG" sz="2400" dirty="0">
+              <a:effectLst/>
+              <a:latin typeface="Calibri" panose="020F0502020204030204" pitchFamily="34" charset="0"/>
+              <a:ea typeface="Calibri" panose="020F0502020204030204" pitchFamily="34" charset="0"/>
+              <a:cs typeface="Times New Roman" panose="02020603050405020304" pitchFamily="18" charset="0"/>
+            </a:endParaRPr>
+          </a:p>
+          <a:p>
+            <a:pPr marL="0" marR="0" algn="ctr">
+              <a:lnSpc>
+                <a:spcPct val="107000"/>
+              </a:lnSpc>
+              <a:spcBef>
+                <a:spcPts val="0"/>
+              </a:spcBef>
+              <a:spcAft>
+                <a:spcPts val="800"/>
+              </a:spcAft>
+            </a:pPr>
+            <a:r>
+              <a:rPr lang="en-US" sz="2400" dirty="0">
+                <a:effectLst/>
+                <a:latin typeface="Calibri" panose="020F0502020204030204" pitchFamily="34" charset="0"/>
+                <a:ea typeface="Calibri" panose="020F0502020204030204" pitchFamily="34" charset="0"/>
+                <a:cs typeface="Times New Roman" panose="02020603050405020304" pitchFamily="18" charset="0"/>
+              </a:rPr>
+              <a:t> </a:t>
+            </a:r>
+            <a:r>
+              <a:rPr lang="bg-BG" sz="2400" u="sng" dirty="0">
+                <a:solidFill>
+                  <a:srgbClr val="0563C1"/>
+                </a:solidFill>
+                <a:effectLst/>
+                <a:latin typeface="Calibri" panose="020F0502020204030204" pitchFamily="34" charset="0"/>
+                <a:ea typeface="Calibri" panose="020F0502020204030204" pitchFamily="34" charset="0"/>
+                <a:cs typeface="Times New Roman" panose="02020603050405020304" pitchFamily="18" charset="0"/>
+                <a:hlinkClick r:id="rId2"/>
+              </a:rPr>
+              <a:t>https://judge.softuni.bg/Contests/2630/Четене-и-печатане-на-конзолата</a:t>
+            </a:r>
+            <a:endParaRPr lang="bg-BG" sz="2400" dirty="0">
+              <a:effectLst/>
+              <a:latin typeface="Calibri" panose="020F0502020204030204" pitchFamily="34" charset="0"/>
+              <a:ea typeface="Calibri" panose="020F0502020204030204" pitchFamily="34" charset="0"/>
+              <a:cs typeface="Times New Roman" panose="02020603050405020304" pitchFamily="18" charset="0"/>
             </a:endParaRPr>
           </a:p>
         </p:txBody>

--- a/Courses/Applied-Programmer/Programming-Basics/02-Пресмятания-оператори-изрази/03.Четене-и-печатане-на-конзолата.pptx
+++ b/Courses/Applied-Programmer/Programming-Basics/02-Пресмятания-оператори-изрази/03.Четене-и-печатане-на-конзолата.pptx
@@ -311,7 +311,7 @@
             <a:fld id="{FE5B4EDC-59C0-49C7-8ADA-5A781B329E02}" type="datetimeFigureOut">
               <a:rPr lang="en-US"/>
               <a:pPr/>
-              <a:t>09-Nov-20</a:t>
+              <a:t>11-Nov-20</a:t>
             </a:fld>
             <a:endParaRPr dirty="0"/>
           </a:p>
@@ -609,7 +609,7 @@
             <a:fld id="{F2D8D46A-B586-417D-BFBD-8C8FE0AAF762}" type="datetimeFigureOut">
               <a:rPr lang="en-US" smtClean="0"/>
               <a:pPr/>
-              <a:t>09-Nov-20</a:t>
+              <a:t>11-Nov-20</a:t>
             </a:fld>
             <a:endParaRPr lang="en-US" dirty="0"/>
           </a:p>
@@ -3767,7 +3767,7 @@
         </p:blipFill>
         <p:spPr bwMode="auto">
           <a:xfrm>
-            <a:off x="745783" y="4076772"/>
+            <a:off x="836612" y="4380305"/>
             <a:ext cx="2175525" cy="761165"/>
           </a:xfrm>
           <a:prstGeom prst="roundRect">
@@ -3806,7 +3806,7 @@
         </p:nvSpPr>
         <p:spPr bwMode="auto">
           <a:xfrm>
-            <a:off x="760413" y="4998598"/>
+            <a:off x="760413" y="5141821"/>
             <a:ext cx="3187614" cy="444343"/>
           </a:xfrm>
           <a:prstGeom prst="rect">
@@ -4041,7 +4041,7 @@
               <a:t>Учителски</a:t>
             </a:r>
             <a:r>
-              <a:rPr lang="bg-BG"/>
+              <a:rPr lang="bg-BG" dirty="0"/>
               <a:t> екип</a:t>
             </a:r>
           </a:p>
@@ -4063,7 +4063,7 @@
         </p:nvSpPr>
         <p:spPr bwMode="auto">
           <a:xfrm>
-            <a:off x="760412" y="5403725"/>
+            <a:off x="760414" y="5529752"/>
             <a:ext cx="3187613" cy="382788"/>
           </a:xfrm>
           <a:prstGeom prst="rect">
@@ -4297,7 +4297,7 @@
           </a:lstStyle>
           <a:p>
             <a:r>
-              <a:rPr lang="bg-BG"/>
+              <a:rPr lang="bg-BG" dirty="0"/>
               <a:t>Обучение за ИТ кариера</a:t>
             </a:r>
           </a:p>
@@ -4319,7 +4319,7 @@
         </p:nvSpPr>
         <p:spPr bwMode="auto">
           <a:xfrm>
-            <a:off x="760412" y="5690893"/>
+            <a:off x="729507" y="5859800"/>
             <a:ext cx="3810000" cy="458462"/>
           </a:xfrm>
           <a:prstGeom prst="rect">
@@ -4550,12 +4550,12 @@
           </a:lstStyle>
           <a:p>
             <a:r>
-              <a:rPr lang="en-GB">
+              <a:rPr lang="en-GB" dirty="0">
                 <a:hlinkClick r:id="rId6"/>
               </a:rPr>
               <a:t>https://it-kariera.mon.bg/e-learning/</a:t>
             </a:r>
-            <a:endParaRPr lang="en-GB"/>
+            <a:endParaRPr lang="en-GB" dirty="0"/>
           </a:p>
         </p:txBody>
       </p:sp>
@@ -4699,6 +4699,138 @@
           </a:prstGeom>
         </p:spPr>
       </p:pic>
+      <p:sp>
+        <p:nvSpPr>
+          <p:cNvPr id="11" name="Текстово поле 1">
+            <a:extLst>
+              <a:ext uri="{FF2B5EF4-FFF2-40B4-BE49-F238E27FC236}">
+                <a16:creationId xmlns:a16="http://schemas.microsoft.com/office/drawing/2014/main" id="{B398007E-9BC4-479A-87BF-1B270134F51F}"/>
+              </a:ext>
+            </a:extLst>
+          </p:cNvPr>
+          <p:cNvSpPr txBox="1"/>
+          <p:nvPr/>
+        </p:nvSpPr>
+        <p:spPr>
+          <a:xfrm>
+            <a:off x="669074" y="6318262"/>
+            <a:ext cx="11216029" cy="369332"/>
+          </a:xfrm>
+          <a:prstGeom prst="rect">
+            <a:avLst/>
+          </a:prstGeom>
+          <a:noFill/>
+        </p:spPr>
+        <p:txBody>
+          <a:bodyPr wrap="square" rtlCol="0">
+            <a:spAutoFit/>
+          </a:bodyPr>
+          <a:lstStyle>
+            <a:defPPr>
+              <a:defRPr lang="en-US"/>
+            </a:defPPr>
+            <a:lvl1pPr marL="0" algn="l" defTabSz="1218987" rtl="0" eaLnBrk="1" latinLnBrk="0" hangingPunct="1">
+              <a:defRPr sz="2400" kern="1200">
+                <a:solidFill>
+                  <a:schemeClr val="tx1"/>
+                </a:solidFill>
+                <a:latin typeface="+mn-lt"/>
+                <a:ea typeface="+mn-ea"/>
+                <a:cs typeface="+mn-cs"/>
+              </a:defRPr>
+            </a:lvl1pPr>
+            <a:lvl2pPr marL="609493" algn="l" defTabSz="1218987" rtl="0" eaLnBrk="1" latinLnBrk="0" hangingPunct="1">
+              <a:defRPr sz="2400" kern="1200">
+                <a:solidFill>
+                  <a:schemeClr val="tx1"/>
+                </a:solidFill>
+                <a:latin typeface="+mn-lt"/>
+                <a:ea typeface="+mn-ea"/>
+                <a:cs typeface="+mn-cs"/>
+              </a:defRPr>
+            </a:lvl2pPr>
+            <a:lvl3pPr marL="1218987" algn="l" defTabSz="1218987" rtl="0" eaLnBrk="1" latinLnBrk="0" hangingPunct="1">
+              <a:defRPr sz="2400" kern="1200">
+                <a:solidFill>
+                  <a:schemeClr val="tx1"/>
+                </a:solidFill>
+                <a:latin typeface="+mn-lt"/>
+                <a:ea typeface="+mn-ea"/>
+                <a:cs typeface="+mn-cs"/>
+              </a:defRPr>
+            </a:lvl3pPr>
+            <a:lvl4pPr marL="1828480" algn="l" defTabSz="1218987" rtl="0" eaLnBrk="1" latinLnBrk="0" hangingPunct="1">
+              <a:defRPr sz="2400" kern="1200">
+                <a:solidFill>
+                  <a:schemeClr val="tx1"/>
+                </a:solidFill>
+                <a:latin typeface="+mn-lt"/>
+                <a:ea typeface="+mn-ea"/>
+                <a:cs typeface="+mn-cs"/>
+              </a:defRPr>
+            </a:lvl4pPr>
+            <a:lvl5pPr marL="2437973" algn="l" defTabSz="1218987" rtl="0" eaLnBrk="1" latinLnBrk="0" hangingPunct="1">
+              <a:defRPr sz="2400" kern="1200">
+                <a:solidFill>
+                  <a:schemeClr val="tx1"/>
+                </a:solidFill>
+                <a:latin typeface="+mn-lt"/>
+                <a:ea typeface="+mn-ea"/>
+                <a:cs typeface="+mn-cs"/>
+              </a:defRPr>
+            </a:lvl5pPr>
+            <a:lvl6pPr marL="3047467" algn="l" defTabSz="1218987" rtl="0" eaLnBrk="1" latinLnBrk="0" hangingPunct="1">
+              <a:defRPr sz="2400" kern="1200">
+                <a:solidFill>
+                  <a:schemeClr val="tx1"/>
+                </a:solidFill>
+                <a:latin typeface="+mn-lt"/>
+                <a:ea typeface="+mn-ea"/>
+                <a:cs typeface="+mn-cs"/>
+              </a:defRPr>
+            </a:lvl6pPr>
+            <a:lvl7pPr marL="3656960" algn="l" defTabSz="1218987" rtl="0" eaLnBrk="1" latinLnBrk="0" hangingPunct="1">
+              <a:defRPr sz="2400" kern="1200">
+                <a:solidFill>
+                  <a:schemeClr val="tx1"/>
+                </a:solidFill>
+                <a:latin typeface="+mn-lt"/>
+                <a:ea typeface="+mn-ea"/>
+                <a:cs typeface="+mn-cs"/>
+              </a:defRPr>
+            </a:lvl7pPr>
+            <a:lvl8pPr marL="4266453" algn="l" defTabSz="1218987" rtl="0" eaLnBrk="1" latinLnBrk="0" hangingPunct="1">
+              <a:defRPr sz="2400" kern="1200">
+                <a:solidFill>
+                  <a:schemeClr val="tx1"/>
+                </a:solidFill>
+                <a:latin typeface="+mn-lt"/>
+                <a:ea typeface="+mn-ea"/>
+                <a:cs typeface="+mn-cs"/>
+              </a:defRPr>
+            </a:lvl8pPr>
+            <a:lvl9pPr marL="4875947" algn="l" defTabSz="1218987" rtl="0" eaLnBrk="1" latinLnBrk="0" hangingPunct="1">
+              <a:defRPr sz="2400" kern="1200">
+                <a:solidFill>
+                  <a:schemeClr val="tx1"/>
+                </a:solidFill>
+                <a:latin typeface="+mn-lt"/>
+                <a:ea typeface="+mn-ea"/>
+                <a:cs typeface="+mn-cs"/>
+              </a:defRPr>
+            </a:lvl9pPr>
+          </a:lstStyle>
+          <a:p>
+            <a:r>
+              <a:rPr lang="en-US" sz="1800" b="1" dirty="0">
+                <a:hlinkClick r:id="rId8"/>
+              </a:rPr>
+              <a:t>https://github.com/BG-IT-Edu/School-Programming/tree/main/Courses/Applied-Programmer/Programming-Basics</a:t>
+            </a:r>
+            <a:endParaRPr lang="bg-BG" sz="1800" b="1" dirty="0"/>
+          </a:p>
+        </p:txBody>
+      </p:sp>
     </p:spTree>
     <p:extLst>
       <p:ext uri="{BB962C8B-B14F-4D97-AF65-F5344CB8AC3E}">
@@ -5599,6 +5731,367 @@
   <p:clrMapOvr>
     <a:masterClrMapping/>
   </p:clrMapOvr>
+  <p:timing>
+    <p:tnLst>
+      <p:par>
+        <p:cTn id="1" dur="indefinite" restart="never" nodeType="tmRoot">
+          <p:childTnLst>
+            <p:seq concurrent="1" nextAc="seek">
+              <p:cTn id="2" dur="indefinite" nodeType="mainSeq">
+                <p:childTnLst>
+                  <p:par>
+                    <p:cTn id="3" fill="hold">
+                      <p:stCondLst>
+                        <p:cond delay="indefinite"/>
+                      </p:stCondLst>
+                      <p:childTnLst>
+                        <p:par>
+                          <p:cTn id="4" fill="hold">
+                            <p:stCondLst>
+                              <p:cond delay="0"/>
+                            </p:stCondLst>
+                            <p:childTnLst>
+                              <p:par>
+                                <p:cTn id="5" presetID="1" presetClass="entr" presetSubtype="0" fill="hold" nodeType="clickEffect">
+                                  <p:stCondLst>
+                                    <p:cond delay="0"/>
+                                  </p:stCondLst>
+                                  <p:childTnLst>
+                                    <p:set>
+                                      <p:cBhvr>
+                                        <p:cTn id="6" dur="1" fill="hold">
+                                          <p:stCondLst>
+                                            <p:cond delay="0"/>
+                                          </p:stCondLst>
+                                        </p:cTn>
+                                        <p:tgtEl>
+                                          <p:spTgt spid="5">
+                                            <p:txEl>
+                                              <p:pRg st="1" end="1"/>
+                                            </p:txEl>
+                                          </p:spTgt>
+                                        </p:tgtEl>
+                                        <p:attrNameLst>
+                                          <p:attrName>style.visibility</p:attrName>
+                                        </p:attrNameLst>
+                                      </p:cBhvr>
+                                      <p:to>
+                                        <p:strVal val="visible"/>
+                                      </p:to>
+                                    </p:set>
+                                  </p:childTnLst>
+                                </p:cTn>
+                              </p:par>
+                              <p:par>
+                                <p:cTn id="7" presetID="1" presetClass="entr" presetSubtype="0" fill="hold" grpId="0" nodeType="withEffect">
+                                  <p:stCondLst>
+                                    <p:cond delay="0"/>
+                                  </p:stCondLst>
+                                  <p:childTnLst>
+                                    <p:set>
+                                      <p:cBhvr>
+                                        <p:cTn id="8" dur="1" fill="hold">
+                                          <p:stCondLst>
+                                            <p:cond delay="0"/>
+                                          </p:stCondLst>
+                                        </p:cTn>
+                                        <p:tgtEl>
+                                          <p:spTgt spid="10"/>
+                                        </p:tgtEl>
+                                        <p:attrNameLst>
+                                          <p:attrName>style.visibility</p:attrName>
+                                        </p:attrNameLst>
+                                      </p:cBhvr>
+                                      <p:to>
+                                        <p:strVal val="visible"/>
+                                      </p:to>
+                                    </p:set>
+                                  </p:childTnLst>
+                                </p:cTn>
+                              </p:par>
+                            </p:childTnLst>
+                          </p:cTn>
+                        </p:par>
+                      </p:childTnLst>
+                    </p:cTn>
+                  </p:par>
+                  <p:par>
+                    <p:cTn id="9" fill="hold">
+                      <p:stCondLst>
+                        <p:cond delay="indefinite"/>
+                      </p:stCondLst>
+                      <p:childTnLst>
+                        <p:par>
+                          <p:cTn id="10" fill="hold">
+                            <p:stCondLst>
+                              <p:cond delay="0"/>
+                            </p:stCondLst>
+                            <p:childTnLst>
+                              <p:par>
+                                <p:cTn id="11" presetID="1" presetClass="entr" presetSubtype="0" fill="hold" nodeType="clickEffect">
+                                  <p:stCondLst>
+                                    <p:cond delay="0"/>
+                                  </p:stCondLst>
+                                  <p:childTnLst>
+                                    <p:set>
+                                      <p:cBhvr>
+                                        <p:cTn id="12" dur="1" fill="hold">
+                                          <p:stCondLst>
+                                            <p:cond delay="0"/>
+                                          </p:stCondLst>
+                                        </p:cTn>
+                                        <p:tgtEl>
+                                          <p:spTgt spid="5">
+                                            <p:txEl>
+                                              <p:pRg st="3" end="3"/>
+                                            </p:txEl>
+                                          </p:spTgt>
+                                        </p:tgtEl>
+                                        <p:attrNameLst>
+                                          <p:attrName>style.visibility</p:attrName>
+                                        </p:attrNameLst>
+                                      </p:cBhvr>
+                                      <p:to>
+                                        <p:strVal val="visible"/>
+                                      </p:to>
+                                    </p:set>
+                                  </p:childTnLst>
+                                </p:cTn>
+                              </p:par>
+                            </p:childTnLst>
+                          </p:cTn>
+                        </p:par>
+                      </p:childTnLst>
+                    </p:cTn>
+                  </p:par>
+                  <p:par>
+                    <p:cTn id="13" fill="hold">
+                      <p:stCondLst>
+                        <p:cond delay="indefinite"/>
+                      </p:stCondLst>
+                      <p:childTnLst>
+                        <p:par>
+                          <p:cTn id="14" fill="hold">
+                            <p:stCondLst>
+                              <p:cond delay="0"/>
+                            </p:stCondLst>
+                            <p:childTnLst>
+                              <p:par>
+                                <p:cTn id="15" presetID="1" presetClass="entr" presetSubtype="0" fill="hold" nodeType="clickEffect">
+                                  <p:stCondLst>
+                                    <p:cond delay="0"/>
+                                  </p:stCondLst>
+                                  <p:childTnLst>
+                                    <p:set>
+                                      <p:cBhvr>
+                                        <p:cTn id="16" dur="1" fill="hold">
+                                          <p:stCondLst>
+                                            <p:cond delay="0"/>
+                                          </p:stCondLst>
+                                        </p:cTn>
+                                        <p:tgtEl>
+                                          <p:spTgt spid="5">
+                                            <p:txEl>
+                                              <p:pRg st="4" end="4"/>
+                                            </p:txEl>
+                                          </p:spTgt>
+                                        </p:tgtEl>
+                                        <p:attrNameLst>
+                                          <p:attrName>style.visibility</p:attrName>
+                                        </p:attrNameLst>
+                                      </p:cBhvr>
+                                      <p:to>
+                                        <p:strVal val="visible"/>
+                                      </p:to>
+                                    </p:set>
+                                  </p:childTnLst>
+                                </p:cTn>
+                              </p:par>
+                              <p:par>
+                                <p:cTn id="17" presetID="1" presetClass="entr" presetSubtype="0" fill="hold" grpId="0" nodeType="withEffect">
+                                  <p:stCondLst>
+                                    <p:cond delay="0"/>
+                                  </p:stCondLst>
+                                  <p:childTnLst>
+                                    <p:set>
+                                      <p:cBhvr>
+                                        <p:cTn id="18" dur="1" fill="hold">
+                                          <p:stCondLst>
+                                            <p:cond delay="0"/>
+                                          </p:stCondLst>
+                                        </p:cTn>
+                                        <p:tgtEl>
+                                          <p:spTgt spid="11"/>
+                                        </p:tgtEl>
+                                        <p:attrNameLst>
+                                          <p:attrName>style.visibility</p:attrName>
+                                        </p:attrNameLst>
+                                      </p:cBhvr>
+                                      <p:to>
+                                        <p:strVal val="visible"/>
+                                      </p:to>
+                                    </p:set>
+                                  </p:childTnLst>
+                                </p:cTn>
+                              </p:par>
+                            </p:childTnLst>
+                          </p:cTn>
+                        </p:par>
+                      </p:childTnLst>
+                    </p:cTn>
+                  </p:par>
+                  <p:par>
+                    <p:cTn id="19" fill="hold">
+                      <p:stCondLst>
+                        <p:cond delay="indefinite"/>
+                      </p:stCondLst>
+                      <p:childTnLst>
+                        <p:par>
+                          <p:cTn id="20" fill="hold">
+                            <p:stCondLst>
+                              <p:cond delay="0"/>
+                            </p:stCondLst>
+                            <p:childTnLst>
+                              <p:par>
+                                <p:cTn id="21" presetID="1" presetClass="entr" presetSubtype="0" fill="hold" nodeType="clickEffect">
+                                  <p:stCondLst>
+                                    <p:cond delay="0"/>
+                                  </p:stCondLst>
+                                  <p:childTnLst>
+                                    <p:set>
+                                      <p:cBhvr>
+                                        <p:cTn id="22" dur="1" fill="hold">
+                                          <p:stCondLst>
+                                            <p:cond delay="0"/>
+                                          </p:stCondLst>
+                                        </p:cTn>
+                                        <p:tgtEl>
+                                          <p:spTgt spid="5">
+                                            <p:txEl>
+                                              <p:pRg st="6" end="6"/>
+                                            </p:txEl>
+                                          </p:spTgt>
+                                        </p:tgtEl>
+                                        <p:attrNameLst>
+                                          <p:attrName>style.visibility</p:attrName>
+                                        </p:attrNameLst>
+                                      </p:cBhvr>
+                                      <p:to>
+                                        <p:strVal val="visible"/>
+                                      </p:to>
+                                    </p:set>
+                                  </p:childTnLst>
+                                </p:cTn>
+                              </p:par>
+                            </p:childTnLst>
+                          </p:cTn>
+                        </p:par>
+                      </p:childTnLst>
+                    </p:cTn>
+                  </p:par>
+                  <p:par>
+                    <p:cTn id="23" fill="hold">
+                      <p:stCondLst>
+                        <p:cond delay="indefinite"/>
+                      </p:stCondLst>
+                      <p:childTnLst>
+                        <p:par>
+                          <p:cTn id="24" fill="hold">
+                            <p:stCondLst>
+                              <p:cond delay="0"/>
+                            </p:stCondLst>
+                            <p:childTnLst>
+                              <p:par>
+                                <p:cTn id="25" presetID="1" presetClass="entr" presetSubtype="0" fill="hold" nodeType="clickEffect">
+                                  <p:stCondLst>
+                                    <p:cond delay="0"/>
+                                  </p:stCondLst>
+                                  <p:childTnLst>
+                                    <p:set>
+                                      <p:cBhvr>
+                                        <p:cTn id="26" dur="1" fill="hold">
+                                          <p:stCondLst>
+                                            <p:cond delay="0"/>
+                                          </p:stCondLst>
+                                        </p:cTn>
+                                        <p:tgtEl>
+                                          <p:spTgt spid="5">
+                                            <p:txEl>
+                                              <p:pRg st="7" end="7"/>
+                                            </p:txEl>
+                                          </p:spTgt>
+                                        </p:tgtEl>
+                                        <p:attrNameLst>
+                                          <p:attrName>style.visibility</p:attrName>
+                                        </p:attrNameLst>
+                                      </p:cBhvr>
+                                      <p:to>
+                                        <p:strVal val="visible"/>
+                                      </p:to>
+                                    </p:set>
+                                  </p:childTnLst>
+                                </p:cTn>
+                              </p:par>
+                              <p:par>
+                                <p:cTn id="27" presetID="1" presetClass="entr" presetSubtype="0" fill="hold" grpId="0" nodeType="withEffect">
+                                  <p:stCondLst>
+                                    <p:cond delay="0"/>
+                                  </p:stCondLst>
+                                  <p:childTnLst>
+                                    <p:set>
+                                      <p:cBhvr>
+                                        <p:cTn id="28" dur="1" fill="hold">
+                                          <p:stCondLst>
+                                            <p:cond delay="0"/>
+                                          </p:stCondLst>
+                                        </p:cTn>
+                                        <p:tgtEl>
+                                          <p:spTgt spid="14"/>
+                                        </p:tgtEl>
+                                        <p:attrNameLst>
+                                          <p:attrName>style.visibility</p:attrName>
+                                        </p:attrNameLst>
+                                      </p:cBhvr>
+                                      <p:to>
+                                        <p:strVal val="visible"/>
+                                      </p:to>
+                                    </p:set>
+                                  </p:childTnLst>
+                                </p:cTn>
+                              </p:par>
+                            </p:childTnLst>
+                          </p:cTn>
+                        </p:par>
+                      </p:childTnLst>
+                    </p:cTn>
+                  </p:par>
+                </p:childTnLst>
+              </p:cTn>
+              <p:prevCondLst>
+                <p:cond evt="onPrev" delay="0">
+                  <p:tgtEl>
+                    <p:sldTgt/>
+                  </p:tgtEl>
+                </p:cond>
+              </p:prevCondLst>
+              <p:nextCondLst>
+                <p:cond evt="onNext" delay="0">
+                  <p:tgtEl>
+                    <p:sldTgt/>
+                  </p:tgtEl>
+                </p:cond>
+              </p:nextCondLst>
+            </p:seq>
+          </p:childTnLst>
+        </p:cTn>
+      </p:par>
+    </p:tnLst>
+    <p:bldLst>
+      <p:bldP spid="10" grpId="0" animBg="1"/>
+      <p:bldP spid="11" grpId="0" animBg="1"/>
+      <p:bldP spid="14" grpId="0" animBg="1"/>
+    </p:bldLst>
+  </p:timing>
 </p:sld>
 </file>
 
@@ -5644,31 +6137,133 @@
       </p:sp>
       <p:sp>
         <p:nvSpPr>
-          <p:cNvPr id="2" name="Text Placeholder 1"/>
-          <p:cNvSpPr>
-            <a:spLocks noGrp="1"/>
-          </p:cNvSpPr>
-          <p:nvPr>
-            <p:ph type="body" sz="quarter" idx="10"/>
-          </p:nvPr>
+          <p:cNvPr id="6" name="Текстово поле 1">
+            <a:extLst>
+              <a:ext uri="{FF2B5EF4-FFF2-40B4-BE49-F238E27FC236}">
+                <a16:creationId xmlns:a16="http://schemas.microsoft.com/office/drawing/2014/main" id="{B398007E-9BC4-479A-87BF-1B270134F51F}"/>
+              </a:ext>
+            </a:extLst>
+          </p:cNvPr>
+          <p:cNvSpPr txBox="1"/>
+          <p:nvPr/>
         </p:nvSpPr>
         <p:spPr>
           <a:xfrm>
-            <a:off x="1529384" y="6400802"/>
-            <a:ext cx="10482604" cy="351754"/>
+            <a:off x="972796" y="6435010"/>
+            <a:ext cx="11216029" cy="369332"/>
           </a:xfrm>
+          <a:prstGeom prst="rect">
+            <a:avLst/>
+          </a:prstGeom>
+          <a:noFill/>
         </p:spPr>
         <p:txBody>
-          <a:bodyPr/>
-          <a:lstStyle/>
-          <a:p>
-            <a:r>
-              <a:rPr lang="en-US" dirty="0">
+          <a:bodyPr wrap="square" rtlCol="0">
+            <a:spAutoFit/>
+          </a:bodyPr>
+          <a:lstStyle>
+            <a:defPPr>
+              <a:defRPr lang="en-US"/>
+            </a:defPPr>
+            <a:lvl1pPr marL="0" algn="l" defTabSz="1218987" rtl="0" eaLnBrk="1" latinLnBrk="0" hangingPunct="1">
+              <a:defRPr sz="2400" kern="1200">
+                <a:solidFill>
+                  <a:schemeClr val="tx1"/>
+                </a:solidFill>
+                <a:latin typeface="+mn-lt"/>
+                <a:ea typeface="+mn-ea"/>
+                <a:cs typeface="+mn-cs"/>
+              </a:defRPr>
+            </a:lvl1pPr>
+            <a:lvl2pPr marL="609493" algn="l" defTabSz="1218987" rtl="0" eaLnBrk="1" latinLnBrk="0" hangingPunct="1">
+              <a:defRPr sz="2400" kern="1200">
+                <a:solidFill>
+                  <a:schemeClr val="tx1"/>
+                </a:solidFill>
+                <a:latin typeface="+mn-lt"/>
+                <a:ea typeface="+mn-ea"/>
+                <a:cs typeface="+mn-cs"/>
+              </a:defRPr>
+            </a:lvl2pPr>
+            <a:lvl3pPr marL="1218987" algn="l" defTabSz="1218987" rtl="0" eaLnBrk="1" latinLnBrk="0" hangingPunct="1">
+              <a:defRPr sz="2400" kern="1200">
+                <a:solidFill>
+                  <a:schemeClr val="tx1"/>
+                </a:solidFill>
+                <a:latin typeface="+mn-lt"/>
+                <a:ea typeface="+mn-ea"/>
+                <a:cs typeface="+mn-cs"/>
+              </a:defRPr>
+            </a:lvl3pPr>
+            <a:lvl4pPr marL="1828480" algn="l" defTabSz="1218987" rtl="0" eaLnBrk="1" latinLnBrk="0" hangingPunct="1">
+              <a:defRPr sz="2400" kern="1200">
+                <a:solidFill>
+                  <a:schemeClr val="tx1"/>
+                </a:solidFill>
+                <a:latin typeface="+mn-lt"/>
+                <a:ea typeface="+mn-ea"/>
+                <a:cs typeface="+mn-cs"/>
+              </a:defRPr>
+            </a:lvl4pPr>
+            <a:lvl5pPr marL="2437973" algn="l" defTabSz="1218987" rtl="0" eaLnBrk="1" latinLnBrk="0" hangingPunct="1">
+              <a:defRPr sz="2400" kern="1200">
+                <a:solidFill>
+                  <a:schemeClr val="tx1"/>
+                </a:solidFill>
+                <a:latin typeface="+mn-lt"/>
+                <a:ea typeface="+mn-ea"/>
+                <a:cs typeface="+mn-cs"/>
+              </a:defRPr>
+            </a:lvl5pPr>
+            <a:lvl6pPr marL="3047467" algn="l" defTabSz="1218987" rtl="0" eaLnBrk="1" latinLnBrk="0" hangingPunct="1">
+              <a:defRPr sz="2400" kern="1200">
+                <a:solidFill>
+                  <a:schemeClr val="tx1"/>
+                </a:solidFill>
+                <a:latin typeface="+mn-lt"/>
+                <a:ea typeface="+mn-ea"/>
+                <a:cs typeface="+mn-cs"/>
+              </a:defRPr>
+            </a:lvl6pPr>
+            <a:lvl7pPr marL="3656960" algn="l" defTabSz="1218987" rtl="0" eaLnBrk="1" latinLnBrk="0" hangingPunct="1">
+              <a:defRPr sz="2400" kern="1200">
+                <a:solidFill>
+                  <a:schemeClr val="tx1"/>
+                </a:solidFill>
+                <a:latin typeface="+mn-lt"/>
+                <a:ea typeface="+mn-ea"/>
+                <a:cs typeface="+mn-cs"/>
+              </a:defRPr>
+            </a:lvl7pPr>
+            <a:lvl8pPr marL="4266453" algn="l" defTabSz="1218987" rtl="0" eaLnBrk="1" latinLnBrk="0" hangingPunct="1">
+              <a:defRPr sz="2400" kern="1200">
+                <a:solidFill>
+                  <a:schemeClr val="tx1"/>
+                </a:solidFill>
+                <a:latin typeface="+mn-lt"/>
+                <a:ea typeface="+mn-ea"/>
+                <a:cs typeface="+mn-cs"/>
+              </a:defRPr>
+            </a:lvl8pPr>
+            <a:lvl9pPr marL="4875947" algn="l" defTabSz="1218987" rtl="0" eaLnBrk="1" latinLnBrk="0" hangingPunct="1">
+              <a:defRPr sz="2400" kern="1200">
+                <a:solidFill>
+                  <a:schemeClr val="tx1"/>
+                </a:solidFill>
+                <a:latin typeface="+mn-lt"/>
+                <a:ea typeface="+mn-ea"/>
+                <a:cs typeface="+mn-cs"/>
+              </a:defRPr>
+            </a:lvl9pPr>
+          </a:lstStyle>
+          <a:p>
+            <a:r>
+              <a:rPr lang="en-US" sz="1800" b="1" dirty="0">
                 <a:hlinkClick r:id="rId3"/>
               </a:rPr>
-              <a:t>https://it-kariera.mon.bg/e-learning/</a:t>
-            </a:r>
-            <a:endParaRPr lang="en-US" dirty="0"/>
+              <a:t>https://github.com/BG-IT-Edu/School-Programming/tree/main/Courses/Applied-Programmer/Programming-Basics</a:t>
+            </a:r>
+            <a:endParaRPr lang="bg-BG" sz="1800" b="1" dirty="0"/>
           </a:p>
         </p:txBody>
       </p:sp>
@@ -6419,6 +7014,183 @@
   <p:clrMapOvr>
     <a:masterClrMapping/>
   </p:clrMapOvr>
+  <p:timing>
+    <p:tnLst>
+      <p:par>
+        <p:cTn id="1" dur="indefinite" restart="never" nodeType="tmRoot">
+          <p:childTnLst>
+            <p:seq concurrent="1" nextAc="seek">
+              <p:cTn id="2" dur="indefinite" nodeType="mainSeq">
+                <p:childTnLst>
+                  <p:par>
+                    <p:cTn id="3" fill="hold">
+                      <p:stCondLst>
+                        <p:cond delay="indefinite"/>
+                      </p:stCondLst>
+                      <p:childTnLst>
+                        <p:par>
+                          <p:cTn id="4" fill="hold">
+                            <p:stCondLst>
+                              <p:cond delay="0"/>
+                            </p:stCondLst>
+                            <p:childTnLst>
+                              <p:par>
+                                <p:cTn id="5" presetID="1" presetClass="entr" presetSubtype="0" fill="hold" nodeType="clickEffect">
+                                  <p:stCondLst>
+                                    <p:cond delay="0"/>
+                                  </p:stCondLst>
+                                  <p:childTnLst>
+                                    <p:set>
+                                      <p:cBhvr>
+                                        <p:cTn id="6" dur="1" fill="hold">
+                                          <p:stCondLst>
+                                            <p:cond delay="0"/>
+                                          </p:stCondLst>
+                                        </p:cTn>
+                                        <p:tgtEl>
+                                          <p:spTgt spid="444419">
+                                            <p:txEl>
+                                              <p:pRg st="0" end="0"/>
+                                            </p:txEl>
+                                          </p:spTgt>
+                                        </p:tgtEl>
+                                        <p:attrNameLst>
+                                          <p:attrName>style.visibility</p:attrName>
+                                        </p:attrNameLst>
+                                      </p:cBhvr>
+                                      <p:to>
+                                        <p:strVal val="visible"/>
+                                      </p:to>
+                                    </p:set>
+                                  </p:childTnLst>
+                                </p:cTn>
+                              </p:par>
+                            </p:childTnLst>
+                          </p:cTn>
+                        </p:par>
+                      </p:childTnLst>
+                    </p:cTn>
+                  </p:par>
+                  <p:par>
+                    <p:cTn id="7" fill="hold">
+                      <p:stCondLst>
+                        <p:cond delay="indefinite"/>
+                      </p:stCondLst>
+                      <p:childTnLst>
+                        <p:par>
+                          <p:cTn id="8" fill="hold">
+                            <p:stCondLst>
+                              <p:cond delay="0"/>
+                            </p:stCondLst>
+                            <p:childTnLst>
+                              <p:par>
+                                <p:cTn id="9" presetID="1" presetClass="entr" presetSubtype="0" fill="hold" nodeType="clickEffect">
+                                  <p:stCondLst>
+                                    <p:cond delay="0"/>
+                                  </p:stCondLst>
+                                  <p:childTnLst>
+                                    <p:set>
+                                      <p:cBhvr>
+                                        <p:cTn id="10" dur="1" fill="hold">
+                                          <p:stCondLst>
+                                            <p:cond delay="0"/>
+                                          </p:stCondLst>
+                                        </p:cTn>
+                                        <p:tgtEl>
+                                          <p:spTgt spid="444419">
+                                            <p:txEl>
+                                              <p:pRg st="1" end="1"/>
+                                            </p:txEl>
+                                          </p:spTgt>
+                                        </p:tgtEl>
+                                        <p:attrNameLst>
+                                          <p:attrName>style.visibility</p:attrName>
+                                        </p:attrNameLst>
+                                      </p:cBhvr>
+                                      <p:to>
+                                        <p:strVal val="visible"/>
+                                      </p:to>
+                                    </p:set>
+                                  </p:childTnLst>
+                                </p:cTn>
+                              </p:par>
+                            </p:childTnLst>
+                          </p:cTn>
+                        </p:par>
+                      </p:childTnLst>
+                    </p:cTn>
+                  </p:par>
+                  <p:par>
+                    <p:cTn id="11" fill="hold">
+                      <p:stCondLst>
+                        <p:cond delay="indefinite"/>
+                      </p:stCondLst>
+                      <p:childTnLst>
+                        <p:par>
+                          <p:cTn id="12" fill="hold">
+                            <p:stCondLst>
+                              <p:cond delay="0"/>
+                            </p:stCondLst>
+                            <p:childTnLst>
+                              <p:par>
+                                <p:cTn id="13" presetID="1" presetClass="entr" presetSubtype="0" fill="hold" nodeType="clickEffect">
+                                  <p:stCondLst>
+                                    <p:cond delay="0"/>
+                                  </p:stCondLst>
+                                  <p:childTnLst>
+                                    <p:set>
+                                      <p:cBhvr>
+                                        <p:cTn id="14" dur="1" fill="hold">
+                                          <p:stCondLst>
+                                            <p:cond delay="0"/>
+                                          </p:stCondLst>
+                                        </p:cTn>
+                                        <p:tgtEl>
+                                          <p:spTgt spid="444419">
+                                            <p:txEl>
+                                              <p:pRg st="2" end="2"/>
+                                            </p:txEl>
+                                          </p:spTgt>
+                                        </p:tgtEl>
+                                        <p:attrNameLst>
+                                          <p:attrName>style.visibility</p:attrName>
+                                        </p:attrNameLst>
+                                      </p:cBhvr>
+                                      <p:to>
+                                        <p:strVal val="visible"/>
+                                      </p:to>
+                                    </p:set>
+                                  </p:childTnLst>
+                                </p:cTn>
+                              </p:par>
+                            </p:childTnLst>
+                          </p:cTn>
+                        </p:par>
+                      </p:childTnLst>
+                    </p:cTn>
+                  </p:par>
+                </p:childTnLst>
+              </p:cTn>
+              <p:prevCondLst>
+                <p:cond evt="onPrev" delay="0">
+                  <p:tgtEl>
+                    <p:sldTgt/>
+                  </p:tgtEl>
+                </p:cond>
+              </p:prevCondLst>
+              <p:nextCondLst>
+                <p:cond evt="onNext" delay="0">
+                  <p:tgtEl>
+                    <p:sldTgt/>
+                  </p:tgtEl>
+                </p:cond>
+              </p:nextCondLst>
+            </p:seq>
+          </p:childTnLst>
+        </p:cTn>
+      </p:par>
+    </p:tnLst>
+  </p:timing>
 </p:sld>
 </file>
 
@@ -7096,6 +7868,352 @@
   <p:clrMapOvr>
     <a:masterClrMapping/>
   </p:clrMapOvr>
+  <p:timing>
+    <p:tnLst>
+      <p:par>
+        <p:cTn id="1" dur="indefinite" restart="never" nodeType="tmRoot">
+          <p:childTnLst>
+            <p:seq concurrent="1" nextAc="seek">
+              <p:cTn id="2" dur="indefinite" nodeType="mainSeq">
+                <p:childTnLst>
+                  <p:par>
+                    <p:cTn id="3" fill="hold">
+                      <p:stCondLst>
+                        <p:cond delay="indefinite"/>
+                      </p:stCondLst>
+                      <p:childTnLst>
+                        <p:par>
+                          <p:cTn id="4" fill="hold">
+                            <p:stCondLst>
+                              <p:cond delay="0"/>
+                            </p:stCondLst>
+                            <p:childTnLst>
+                              <p:par>
+                                <p:cTn id="5" presetID="1" presetClass="entr" presetSubtype="0" fill="hold" nodeType="clickEffect">
+                                  <p:stCondLst>
+                                    <p:cond delay="0"/>
+                                  </p:stCondLst>
+                                  <p:childTnLst>
+                                    <p:set>
+                                      <p:cBhvr>
+                                        <p:cTn id="6" dur="1" fill="hold">
+                                          <p:stCondLst>
+                                            <p:cond delay="0"/>
+                                          </p:stCondLst>
+                                        </p:cTn>
+                                        <p:tgtEl>
+                                          <p:spTgt spid="15">
+                                            <p:txEl>
+                                              <p:pRg st="2" end="2"/>
+                                            </p:txEl>
+                                          </p:spTgt>
+                                        </p:tgtEl>
+                                        <p:attrNameLst>
+                                          <p:attrName>style.visibility</p:attrName>
+                                        </p:attrNameLst>
+                                      </p:cBhvr>
+                                      <p:to>
+                                        <p:strVal val="visible"/>
+                                      </p:to>
+                                    </p:set>
+                                  </p:childTnLst>
+                                </p:cTn>
+                              </p:par>
+                              <p:par>
+                                <p:cTn id="7" presetID="1" presetClass="entr" presetSubtype="0" fill="hold" grpId="0" nodeType="withEffect">
+                                  <p:stCondLst>
+                                    <p:cond delay="0"/>
+                                  </p:stCondLst>
+                                  <p:childTnLst>
+                                    <p:set>
+                                      <p:cBhvr>
+                                        <p:cTn id="8" dur="1" fill="hold">
+                                          <p:stCondLst>
+                                            <p:cond delay="0"/>
+                                          </p:stCondLst>
+                                        </p:cTn>
+                                        <p:tgtEl>
+                                          <p:spTgt spid="5"/>
+                                        </p:tgtEl>
+                                        <p:attrNameLst>
+                                          <p:attrName>style.visibility</p:attrName>
+                                        </p:attrNameLst>
+                                      </p:cBhvr>
+                                      <p:to>
+                                        <p:strVal val="visible"/>
+                                      </p:to>
+                                    </p:set>
+                                  </p:childTnLst>
+                                </p:cTn>
+                              </p:par>
+                              <p:par>
+                                <p:cTn id="9" presetID="1" presetClass="entr" presetSubtype="0" fill="hold" nodeType="withEffect">
+                                  <p:stCondLst>
+                                    <p:cond delay="0"/>
+                                  </p:stCondLst>
+                                  <p:childTnLst>
+                                    <p:set>
+                                      <p:cBhvr>
+                                        <p:cTn id="10" dur="1" fill="hold">
+                                          <p:stCondLst>
+                                            <p:cond delay="0"/>
+                                          </p:stCondLst>
+                                        </p:cTn>
+                                        <p:tgtEl>
+                                          <p:spTgt spid="5">
+                                            <p:txEl>
+                                              <p:pRg st="0" end="0"/>
+                                            </p:txEl>
+                                          </p:spTgt>
+                                        </p:tgtEl>
+                                        <p:attrNameLst>
+                                          <p:attrName>style.visibility</p:attrName>
+                                        </p:attrNameLst>
+                                      </p:cBhvr>
+                                      <p:to>
+                                        <p:strVal val="visible"/>
+                                      </p:to>
+                                    </p:set>
+                                  </p:childTnLst>
+                                </p:cTn>
+                              </p:par>
+                              <p:par>
+                                <p:cTn id="11" presetID="1" presetClass="entr" presetSubtype="0" fill="hold" nodeType="withEffect">
+                                  <p:stCondLst>
+                                    <p:cond delay="0"/>
+                                  </p:stCondLst>
+                                  <p:childTnLst>
+                                    <p:set>
+                                      <p:cBhvr>
+                                        <p:cTn id="12" dur="1" fill="hold">
+                                          <p:stCondLst>
+                                            <p:cond delay="0"/>
+                                          </p:stCondLst>
+                                        </p:cTn>
+                                        <p:tgtEl>
+                                          <p:spTgt spid="5">
+                                            <p:txEl>
+                                              <p:pRg st="1" end="1"/>
+                                            </p:txEl>
+                                          </p:spTgt>
+                                        </p:tgtEl>
+                                        <p:attrNameLst>
+                                          <p:attrName>style.visibility</p:attrName>
+                                        </p:attrNameLst>
+                                      </p:cBhvr>
+                                      <p:to>
+                                        <p:strVal val="visible"/>
+                                      </p:to>
+                                    </p:set>
+                                  </p:childTnLst>
+                                </p:cTn>
+                              </p:par>
+                            </p:childTnLst>
+                          </p:cTn>
+                        </p:par>
+                      </p:childTnLst>
+                    </p:cTn>
+                  </p:par>
+                  <p:par>
+                    <p:cTn id="13" fill="hold">
+                      <p:stCondLst>
+                        <p:cond delay="indefinite"/>
+                      </p:stCondLst>
+                      <p:childTnLst>
+                        <p:par>
+                          <p:cTn id="14" fill="hold">
+                            <p:stCondLst>
+                              <p:cond delay="0"/>
+                            </p:stCondLst>
+                            <p:childTnLst>
+                              <p:par>
+                                <p:cTn id="15" presetID="1" presetClass="entr" presetSubtype="0" fill="hold" nodeType="clickEffect">
+                                  <p:stCondLst>
+                                    <p:cond delay="0"/>
+                                  </p:stCondLst>
+                                  <p:childTnLst>
+                                    <p:set>
+                                      <p:cBhvr>
+                                        <p:cTn id="16" dur="1" fill="hold">
+                                          <p:stCondLst>
+                                            <p:cond delay="0"/>
+                                          </p:stCondLst>
+                                        </p:cTn>
+                                        <p:tgtEl>
+                                          <p:spTgt spid="5">
+                                            <p:txEl>
+                                              <p:pRg st="2" end="2"/>
+                                            </p:txEl>
+                                          </p:spTgt>
+                                        </p:tgtEl>
+                                        <p:attrNameLst>
+                                          <p:attrName>style.visibility</p:attrName>
+                                        </p:attrNameLst>
+                                      </p:cBhvr>
+                                      <p:to>
+                                        <p:strVal val="visible"/>
+                                      </p:to>
+                                    </p:set>
+                                  </p:childTnLst>
+                                </p:cTn>
+                              </p:par>
+                            </p:childTnLst>
+                          </p:cTn>
+                        </p:par>
+                      </p:childTnLst>
+                    </p:cTn>
+                  </p:par>
+                  <p:par>
+                    <p:cTn id="17" fill="hold">
+                      <p:stCondLst>
+                        <p:cond delay="indefinite"/>
+                      </p:stCondLst>
+                      <p:childTnLst>
+                        <p:par>
+                          <p:cTn id="18" fill="hold">
+                            <p:stCondLst>
+                              <p:cond delay="0"/>
+                            </p:stCondLst>
+                            <p:childTnLst>
+                              <p:par>
+                                <p:cTn id="19" presetID="1" presetClass="entr" presetSubtype="0" fill="hold" nodeType="clickEffect">
+                                  <p:stCondLst>
+                                    <p:cond delay="0"/>
+                                  </p:stCondLst>
+                                  <p:childTnLst>
+                                    <p:set>
+                                      <p:cBhvr>
+                                        <p:cTn id="20" dur="1" fill="hold">
+                                          <p:stCondLst>
+                                            <p:cond delay="0"/>
+                                          </p:stCondLst>
+                                        </p:cTn>
+                                        <p:tgtEl>
+                                          <p:spTgt spid="5">
+                                            <p:txEl>
+                                              <p:pRg st="3" end="3"/>
+                                            </p:txEl>
+                                          </p:spTgt>
+                                        </p:tgtEl>
+                                        <p:attrNameLst>
+                                          <p:attrName>style.visibility</p:attrName>
+                                        </p:attrNameLst>
+                                      </p:cBhvr>
+                                      <p:to>
+                                        <p:strVal val="visible"/>
+                                      </p:to>
+                                    </p:set>
+                                  </p:childTnLst>
+                                </p:cTn>
+                              </p:par>
+                              <p:par>
+                                <p:cTn id="21" presetID="1" presetClass="entr" presetSubtype="0" fill="hold" nodeType="withEffect">
+                                  <p:stCondLst>
+                                    <p:cond delay="0"/>
+                                  </p:stCondLst>
+                                  <p:childTnLst>
+                                    <p:set>
+                                      <p:cBhvr>
+                                        <p:cTn id="22" dur="1" fill="hold">
+                                          <p:stCondLst>
+                                            <p:cond delay="0"/>
+                                          </p:stCondLst>
+                                        </p:cTn>
+                                        <p:tgtEl>
+                                          <p:spTgt spid="5">
+                                            <p:txEl>
+                                              <p:pRg st="4" end="4"/>
+                                            </p:txEl>
+                                          </p:spTgt>
+                                        </p:tgtEl>
+                                        <p:attrNameLst>
+                                          <p:attrName>style.visibility</p:attrName>
+                                        </p:attrNameLst>
+                                      </p:cBhvr>
+                                      <p:to>
+                                        <p:strVal val="visible"/>
+                                      </p:to>
+                                    </p:set>
+                                  </p:childTnLst>
+                                </p:cTn>
+                              </p:par>
+                            </p:childTnLst>
+                          </p:cTn>
+                        </p:par>
+                      </p:childTnLst>
+                    </p:cTn>
+                  </p:par>
+                  <p:par>
+                    <p:cTn id="23" fill="hold">
+                      <p:stCondLst>
+                        <p:cond delay="indefinite"/>
+                      </p:stCondLst>
+                      <p:childTnLst>
+                        <p:par>
+                          <p:cTn id="24" fill="hold">
+                            <p:stCondLst>
+                              <p:cond delay="0"/>
+                            </p:stCondLst>
+                            <p:childTnLst>
+                              <p:par>
+                                <p:cTn id="25" presetID="1" presetClass="entr" presetSubtype="0" fill="hold" grpId="0" nodeType="clickEffect">
+                                  <p:stCondLst>
+                                    <p:cond delay="0"/>
+                                  </p:stCondLst>
+                                  <p:childTnLst>
+                                    <p:set>
+                                      <p:cBhvr>
+                                        <p:cTn id="26" dur="1" fill="hold">
+                                          <p:stCondLst>
+                                            <p:cond delay="0"/>
+                                          </p:stCondLst>
+                                        </p:cTn>
+                                        <p:tgtEl>
+                                          <p:spTgt spid="8"/>
+                                        </p:tgtEl>
+                                        <p:attrNameLst>
+                                          <p:attrName>style.visibility</p:attrName>
+                                        </p:attrNameLst>
+                                      </p:cBhvr>
+                                      <p:to>
+                                        <p:strVal val="visible"/>
+                                      </p:to>
+                                    </p:set>
+                                  </p:childTnLst>
+                                </p:cTn>
+                              </p:par>
+                            </p:childTnLst>
+                          </p:cTn>
+                        </p:par>
+                      </p:childTnLst>
+                    </p:cTn>
+                  </p:par>
+                </p:childTnLst>
+              </p:cTn>
+              <p:prevCondLst>
+                <p:cond evt="onPrev" delay="0">
+                  <p:tgtEl>
+                    <p:sldTgt/>
+                  </p:tgtEl>
+                </p:cond>
+              </p:prevCondLst>
+              <p:nextCondLst>
+                <p:cond evt="onNext" delay="0">
+                  <p:tgtEl>
+                    <p:sldTgt/>
+                  </p:tgtEl>
+                </p:cond>
+              </p:nextCondLst>
+            </p:seq>
+          </p:childTnLst>
+        </p:cTn>
+      </p:par>
+    </p:tnLst>
+    <p:bldLst>
+      <p:bldP spid="5" grpId="0" animBg="1"/>
+      <p:bldP spid="8" grpId="0"/>
+    </p:bldLst>
+  </p:timing>
 </p:sld>
 </file>
 
@@ -7759,7 +8877,7 @@
                             </p:stCondLst>
                             <p:childTnLst>
                               <p:par>
-                                <p:cTn id="5" presetID="1" presetClass="entr" presetSubtype="0" fill="hold" grpId="0" nodeType="clickEffect">
+                                <p:cTn id="5" presetID="1" presetClass="entr" presetSubtype="0" fill="hold" nodeType="clickEffect">
                                   <p:stCondLst>
                                     <p:cond delay="0"/>
                                   </p:stCondLst>
@@ -7772,7 +8890,11 @@
                                           </p:stCondLst>
                                         </p:cTn>
                                         <p:tgtEl>
-                                          <p:spTgt spid="560133"/>
+                                          <p:spTgt spid="560131">
+                                            <p:txEl>
+                                              <p:pRg st="1" end="1"/>
+                                            </p:txEl>
+                                          </p:spTgt>
                                         </p:tgtEl>
                                         <p:attrNameLst>
                                           <p:attrName>style.visibility</p:attrName>
@@ -7804,7 +8926,7 @@
                             </p:stCondLst>
                             <p:childTnLst>
                               <p:par>
-                                <p:cTn id="9" presetID="1" presetClass="entr" presetSubtype="0" fill="hold" grpId="0" nodeType="clickEffect">
+                                <p:cTn id="9" presetID="1" presetClass="entr" presetSubtype="0" fill="hold" nodeType="clickEffect">
                                   <p:stCondLst>
                                     <p:cond delay="0"/>
                                   </p:stCondLst>
@@ -7817,7 +8939,11 @@
                                           </p:stCondLst>
                                         </p:cTn>
                                         <p:tgtEl>
-                                          <p:spTgt spid="560134"/>
+                                          <p:spTgt spid="560131">
+                                            <p:txEl>
+                                              <p:pRg st="2" end="2"/>
+                                            </p:txEl>
+                                          </p:spTgt>
                                         </p:tgtEl>
                                         <p:attrNameLst>
                                           <p:attrName>style.visibility</p:attrName>
@@ -7849,7 +8975,7 @@
                             </p:stCondLst>
                             <p:childTnLst>
                               <p:par>
-                                <p:cTn id="13" presetID="1" presetClass="entr" presetSubtype="0" fill="hold" grpId="0" nodeType="clickEffect">
+                                <p:cTn id="13" presetID="1" presetClass="entr" presetSubtype="0" fill="hold" nodeType="clickEffect">
                                   <p:stCondLst>
                                     <p:cond delay="0"/>
                                   </p:stCondLst>
@@ -7862,7 +8988,222 @@
                                           </p:stCondLst>
                                         </p:cTn>
                                         <p:tgtEl>
+                                          <p:spTgt spid="560131">
+                                            <p:txEl>
+                                              <p:pRg st="3" end="3"/>
+                                            </p:txEl>
+                                          </p:spTgt>
+                                        </p:tgtEl>
+                                        <p:attrNameLst>
+                                          <p:attrName>style.visibility</p:attrName>
+                                        </p:attrNameLst>
+                                      </p:cBhvr>
+                                      <p:to>
+                                        <p:strVal val="visible"/>
+                                      </p:to>
+                                    </p:set>
+                                  </p:childTnLst>
+                                </p:cTn>
+                              </p:par>
+                              <p:par>
+                                <p:cTn id="15" presetID="1" presetClass="entr" presetSubtype="0" fill="hold" grpId="0" nodeType="withEffect">
+                                  <p:stCondLst>
+                                    <p:cond delay="0"/>
+                                  </p:stCondLst>
+                                  <p:childTnLst>
+                                    <p:set>
+                                      <p:cBhvr>
+                                        <p:cTn id="16" dur="1" fill="hold">
+                                          <p:stCondLst>
+                                            <p:cond delay="0"/>
+                                          </p:stCondLst>
+                                        </p:cTn>
+                                        <p:tgtEl>
+                                          <p:spTgt spid="560132"/>
+                                        </p:tgtEl>
+                                        <p:attrNameLst>
+                                          <p:attrName>style.visibility</p:attrName>
+                                        </p:attrNameLst>
+                                      </p:cBhvr>
+                                      <p:to>
+                                        <p:strVal val="visible"/>
+                                      </p:to>
+                                    </p:set>
+                                  </p:childTnLst>
+                                </p:cTn>
+                              </p:par>
+                            </p:childTnLst>
+                          </p:cTn>
+                        </p:par>
+                      </p:childTnLst>
+                    </p:cTn>
+                  </p:par>
+                  <p:par>
+                    <p:cTn id="17" fill="hold">
+                      <p:stCondLst>
+                        <p:cond delay="indefinite"/>
+                      </p:stCondLst>
+                      <p:childTnLst>
+                        <p:par>
+                          <p:cTn id="18" fill="hold">
+                            <p:stCondLst>
+                              <p:cond delay="0"/>
+                            </p:stCondLst>
+                            <p:childTnLst>
+                              <p:par>
+                                <p:cTn id="19" presetID="1" presetClass="entr" presetSubtype="0" fill="hold" grpId="0" nodeType="clickEffect">
+                                  <p:stCondLst>
+                                    <p:cond delay="0"/>
+                                  </p:stCondLst>
+                                  <p:childTnLst>
+                                    <p:set>
+                                      <p:cBhvr>
+                                        <p:cTn id="20" dur="1" fill="hold">
+                                          <p:stCondLst>
+                                            <p:cond delay="0"/>
+                                          </p:stCondLst>
+                                        </p:cTn>
+                                        <p:tgtEl>
+                                          <p:spTgt spid="560133"/>
+                                        </p:tgtEl>
+                                        <p:attrNameLst>
+                                          <p:attrName>style.visibility</p:attrName>
+                                        </p:attrNameLst>
+                                      </p:cBhvr>
+                                      <p:to>
+                                        <p:strVal val="visible"/>
+                                      </p:to>
+                                    </p:set>
+                                  </p:childTnLst>
+                                </p:cTn>
+                              </p:par>
+                            </p:childTnLst>
+                          </p:cTn>
+                        </p:par>
+                      </p:childTnLst>
+                    </p:cTn>
+                  </p:par>
+                  <p:par>
+                    <p:cTn id="21" fill="hold">
+                      <p:stCondLst>
+                        <p:cond delay="indefinite"/>
+                      </p:stCondLst>
+                      <p:childTnLst>
+                        <p:par>
+                          <p:cTn id="22" fill="hold">
+                            <p:stCondLst>
+                              <p:cond delay="0"/>
+                            </p:stCondLst>
+                            <p:childTnLst>
+                              <p:par>
+                                <p:cTn id="23" presetID="1" presetClass="entr" presetSubtype="0" fill="hold" grpId="0" nodeType="clickEffect">
+                                  <p:stCondLst>
+                                    <p:cond delay="0"/>
+                                  </p:stCondLst>
+                                  <p:childTnLst>
+                                    <p:set>
+                                      <p:cBhvr>
+                                        <p:cTn id="24" dur="1" fill="hold">
+                                          <p:stCondLst>
+                                            <p:cond delay="0"/>
+                                          </p:stCondLst>
+                                        </p:cTn>
+                                        <p:tgtEl>
+                                          <p:spTgt spid="560134"/>
+                                        </p:tgtEl>
+                                        <p:attrNameLst>
+                                          <p:attrName>style.visibility</p:attrName>
+                                        </p:attrNameLst>
+                                      </p:cBhvr>
+                                      <p:to>
+                                        <p:strVal val="visible"/>
+                                      </p:to>
+                                    </p:set>
+                                  </p:childTnLst>
+                                </p:cTn>
+                              </p:par>
+                            </p:childTnLst>
+                          </p:cTn>
+                        </p:par>
+                      </p:childTnLst>
+                    </p:cTn>
+                  </p:par>
+                  <p:par>
+                    <p:cTn id="25" fill="hold">
+                      <p:stCondLst>
+                        <p:cond delay="indefinite"/>
+                      </p:stCondLst>
+                      <p:childTnLst>
+                        <p:par>
+                          <p:cTn id="26" fill="hold">
+                            <p:stCondLst>
+                              <p:cond delay="0"/>
+                            </p:stCondLst>
+                            <p:childTnLst>
+                              <p:par>
+                                <p:cTn id="27" presetID="1" presetClass="entr" presetSubtype="0" fill="hold" grpId="0" nodeType="clickEffect">
+                                  <p:stCondLst>
+                                    <p:cond delay="0"/>
+                                  </p:stCondLst>
+                                  <p:childTnLst>
+                                    <p:set>
+                                      <p:cBhvr>
+                                        <p:cTn id="28" dur="1" fill="hold">
+                                          <p:stCondLst>
+                                            <p:cond delay="0"/>
+                                          </p:stCondLst>
+                                        </p:cTn>
+                                        <p:tgtEl>
                                           <p:spTgt spid="560135"/>
+                                        </p:tgtEl>
+                                        <p:attrNameLst>
+                                          <p:attrName>style.visibility</p:attrName>
+                                        </p:attrNameLst>
+                                      </p:cBhvr>
+                                      <p:to>
+                                        <p:strVal val="visible"/>
+                                      </p:to>
+                                    </p:set>
+                                  </p:childTnLst>
+                                </p:cTn>
+                              </p:par>
+                            </p:childTnLst>
+                          </p:cTn>
+                        </p:par>
+                      </p:childTnLst>
+                    </p:cTn>
+                  </p:par>
+                  <p:par>
+                    <p:cTn id="29" fill="hold">
+                      <p:stCondLst>
+                        <p:cond delay="indefinite"/>
+                      </p:stCondLst>
+                      <p:childTnLst>
+                        <p:par>
+                          <p:cTn id="30" fill="hold">
+                            <p:stCondLst>
+                              <p:cond delay="0"/>
+                            </p:stCondLst>
+                            <p:childTnLst>
+                              <p:par>
+                                <p:cTn id="31" presetID="1" presetClass="entr" presetSubtype="0" fill="hold" nodeType="clickEffect">
+                                  <p:stCondLst>
+                                    <p:cond delay="0"/>
+                                  </p:stCondLst>
+                                  <p:childTnLst>
+                                    <p:set>
+                                      <p:cBhvr>
+                                        <p:cTn id="32" dur="1" fill="hold">
+                                          <p:stCondLst>
+                                            <p:cond delay="0"/>
+                                          </p:stCondLst>
+                                        </p:cTn>
+                                        <p:tgtEl>
+                                          <p:spTgt spid="560131">
+                                            <p:txEl>
+                                              <p:pRg st="7" end="7"/>
+                                            </p:txEl>
+                                          </p:spTgt>
                                         </p:tgtEl>
                                         <p:attrNameLst>
                                           <p:attrName>style.visibility</p:attrName>
@@ -7903,6 +9244,7 @@
       </p:par>
     </p:tnLst>
     <p:bldLst>
+      <p:bldP spid="560132" grpId="0" animBg="1"/>
       <p:bldP spid="560133" grpId="0" animBg="1"/>
       <p:bldP spid="560134" grpId="0" animBg="1"/>
       <p:bldP spid="560135" grpId="0" animBg="1"/>
@@ -8655,6 +9997,330 @@
     <a:masterClrMapping/>
   </p:clrMapOvr>
   <p:transition/>
+  <p:timing>
+    <p:tnLst>
+      <p:par>
+        <p:cTn id="1" dur="indefinite" restart="never" nodeType="tmRoot">
+          <p:childTnLst>
+            <p:seq concurrent="1" nextAc="seek">
+              <p:cTn id="2" dur="indefinite" nodeType="mainSeq">
+                <p:childTnLst>
+                  <p:par>
+                    <p:cTn id="3" fill="hold">
+                      <p:stCondLst>
+                        <p:cond delay="indefinite"/>
+                      </p:stCondLst>
+                      <p:childTnLst>
+                        <p:par>
+                          <p:cTn id="4" fill="hold">
+                            <p:stCondLst>
+                              <p:cond delay="0"/>
+                            </p:stCondLst>
+                            <p:childTnLst>
+                              <p:par>
+                                <p:cTn id="5" presetID="1" presetClass="entr" presetSubtype="0" fill="hold" nodeType="clickEffect">
+                                  <p:stCondLst>
+                                    <p:cond delay="0"/>
+                                  </p:stCondLst>
+                                  <p:childTnLst>
+                                    <p:set>
+                                      <p:cBhvr>
+                                        <p:cTn id="6" dur="1" fill="hold">
+                                          <p:stCondLst>
+                                            <p:cond delay="0"/>
+                                          </p:stCondLst>
+                                        </p:cTn>
+                                        <p:tgtEl>
+                                          <p:spTgt spid="507907">
+                                            <p:txEl>
+                                              <p:pRg st="2" end="2"/>
+                                            </p:txEl>
+                                          </p:spTgt>
+                                        </p:tgtEl>
+                                        <p:attrNameLst>
+                                          <p:attrName>style.visibility</p:attrName>
+                                        </p:attrNameLst>
+                                      </p:cBhvr>
+                                      <p:to>
+                                        <p:strVal val="visible"/>
+                                      </p:to>
+                                    </p:set>
+                                  </p:childTnLst>
+                                </p:cTn>
+                              </p:par>
+                            </p:childTnLst>
+                          </p:cTn>
+                        </p:par>
+                      </p:childTnLst>
+                    </p:cTn>
+                  </p:par>
+                  <p:par>
+                    <p:cTn id="7" fill="hold">
+                      <p:stCondLst>
+                        <p:cond delay="indefinite"/>
+                      </p:stCondLst>
+                      <p:childTnLst>
+                        <p:par>
+                          <p:cTn id="8" fill="hold">
+                            <p:stCondLst>
+                              <p:cond delay="0"/>
+                            </p:stCondLst>
+                            <p:childTnLst>
+                              <p:par>
+                                <p:cTn id="9" presetID="1" presetClass="entr" presetSubtype="0" fill="hold" nodeType="clickEffect">
+                                  <p:stCondLst>
+                                    <p:cond delay="0"/>
+                                  </p:stCondLst>
+                                  <p:childTnLst>
+                                    <p:set>
+                                      <p:cBhvr>
+                                        <p:cTn id="10" dur="1" fill="hold">
+                                          <p:stCondLst>
+                                            <p:cond delay="0"/>
+                                          </p:stCondLst>
+                                        </p:cTn>
+                                        <p:tgtEl>
+                                          <p:spTgt spid="507907">
+                                            <p:txEl>
+                                              <p:pRg st="3" end="3"/>
+                                            </p:txEl>
+                                          </p:spTgt>
+                                        </p:tgtEl>
+                                        <p:attrNameLst>
+                                          <p:attrName>style.visibility</p:attrName>
+                                        </p:attrNameLst>
+                                      </p:cBhvr>
+                                      <p:to>
+                                        <p:strVal val="visible"/>
+                                      </p:to>
+                                    </p:set>
+                                  </p:childTnLst>
+                                </p:cTn>
+                              </p:par>
+                            </p:childTnLst>
+                          </p:cTn>
+                        </p:par>
+                      </p:childTnLst>
+                    </p:cTn>
+                  </p:par>
+                  <p:par>
+                    <p:cTn id="11" fill="hold">
+                      <p:stCondLst>
+                        <p:cond delay="indefinite"/>
+                      </p:stCondLst>
+                      <p:childTnLst>
+                        <p:par>
+                          <p:cTn id="12" fill="hold">
+                            <p:stCondLst>
+                              <p:cond delay="0"/>
+                            </p:stCondLst>
+                            <p:childTnLst>
+                              <p:par>
+                                <p:cTn id="13" presetID="1" presetClass="entr" presetSubtype="0" fill="hold" nodeType="clickEffect">
+                                  <p:stCondLst>
+                                    <p:cond delay="0"/>
+                                  </p:stCondLst>
+                                  <p:childTnLst>
+                                    <p:set>
+                                      <p:cBhvr>
+                                        <p:cTn id="14" dur="1" fill="hold">
+                                          <p:stCondLst>
+                                            <p:cond delay="0"/>
+                                          </p:stCondLst>
+                                        </p:cTn>
+                                        <p:tgtEl>
+                                          <p:spTgt spid="507907">
+                                            <p:txEl>
+                                              <p:pRg st="4" end="4"/>
+                                            </p:txEl>
+                                          </p:spTgt>
+                                        </p:tgtEl>
+                                        <p:attrNameLst>
+                                          <p:attrName>style.visibility</p:attrName>
+                                        </p:attrNameLst>
+                                      </p:cBhvr>
+                                      <p:to>
+                                        <p:strVal val="visible"/>
+                                      </p:to>
+                                    </p:set>
+                                  </p:childTnLst>
+                                </p:cTn>
+                              </p:par>
+                            </p:childTnLst>
+                          </p:cTn>
+                        </p:par>
+                      </p:childTnLst>
+                    </p:cTn>
+                  </p:par>
+                  <p:par>
+                    <p:cTn id="15" fill="hold">
+                      <p:stCondLst>
+                        <p:cond delay="indefinite"/>
+                      </p:stCondLst>
+                      <p:childTnLst>
+                        <p:par>
+                          <p:cTn id="16" fill="hold">
+                            <p:stCondLst>
+                              <p:cond delay="0"/>
+                            </p:stCondLst>
+                            <p:childTnLst>
+                              <p:par>
+                                <p:cTn id="17" presetID="1" presetClass="entr" presetSubtype="0" fill="hold" nodeType="clickEffect">
+                                  <p:stCondLst>
+                                    <p:cond delay="0"/>
+                                  </p:stCondLst>
+                                  <p:childTnLst>
+                                    <p:set>
+                                      <p:cBhvr>
+                                        <p:cTn id="18" dur="1" fill="hold">
+                                          <p:stCondLst>
+                                            <p:cond delay="0"/>
+                                          </p:stCondLst>
+                                        </p:cTn>
+                                        <p:tgtEl>
+                                          <p:spTgt spid="507907">
+                                            <p:txEl>
+                                              <p:pRg st="5" end="5"/>
+                                            </p:txEl>
+                                          </p:spTgt>
+                                        </p:tgtEl>
+                                        <p:attrNameLst>
+                                          <p:attrName>style.visibility</p:attrName>
+                                        </p:attrNameLst>
+                                      </p:cBhvr>
+                                      <p:to>
+                                        <p:strVal val="visible"/>
+                                      </p:to>
+                                    </p:set>
+                                  </p:childTnLst>
+                                </p:cTn>
+                              </p:par>
+                            </p:childTnLst>
+                          </p:cTn>
+                        </p:par>
+                      </p:childTnLst>
+                    </p:cTn>
+                  </p:par>
+                  <p:par>
+                    <p:cTn id="19" fill="hold">
+                      <p:stCondLst>
+                        <p:cond delay="indefinite"/>
+                      </p:stCondLst>
+                      <p:childTnLst>
+                        <p:par>
+                          <p:cTn id="20" fill="hold">
+                            <p:stCondLst>
+                              <p:cond delay="0"/>
+                            </p:stCondLst>
+                            <p:childTnLst>
+                              <p:par>
+                                <p:cTn id="21" presetID="1" presetClass="entr" presetSubtype="0" fill="hold" nodeType="clickEffect">
+                                  <p:stCondLst>
+                                    <p:cond delay="0"/>
+                                  </p:stCondLst>
+                                  <p:childTnLst>
+                                    <p:set>
+                                      <p:cBhvr>
+                                        <p:cTn id="22" dur="1" fill="hold">
+                                          <p:stCondLst>
+                                            <p:cond delay="0"/>
+                                          </p:stCondLst>
+                                        </p:cTn>
+                                        <p:tgtEl>
+                                          <p:spTgt spid="507907">
+                                            <p:txEl>
+                                              <p:pRg st="6" end="6"/>
+                                            </p:txEl>
+                                          </p:spTgt>
+                                        </p:tgtEl>
+                                        <p:attrNameLst>
+                                          <p:attrName>style.visibility</p:attrName>
+                                        </p:attrNameLst>
+                                      </p:cBhvr>
+                                      <p:to>
+                                        <p:strVal val="visible"/>
+                                      </p:to>
+                                    </p:set>
+                                  </p:childTnLst>
+                                </p:cTn>
+                              </p:par>
+                            </p:childTnLst>
+                          </p:cTn>
+                        </p:par>
+                      </p:childTnLst>
+                    </p:cTn>
+                  </p:par>
+                  <p:par>
+                    <p:cTn id="23" fill="hold">
+                      <p:stCondLst>
+                        <p:cond delay="indefinite"/>
+                      </p:stCondLst>
+                      <p:childTnLst>
+                        <p:par>
+                          <p:cTn id="24" fill="hold">
+                            <p:stCondLst>
+                              <p:cond delay="0"/>
+                            </p:stCondLst>
+                            <p:childTnLst>
+                              <p:par>
+                                <p:cTn id="25" presetID="1" presetClass="entr" presetSubtype="0" fill="hold" nodeType="clickEffect">
+                                  <p:stCondLst>
+                                    <p:cond delay="0"/>
+                                  </p:stCondLst>
+                                  <p:childTnLst>
+                                    <p:set>
+                                      <p:cBhvr>
+                                        <p:cTn id="26" dur="1" fill="hold">
+                                          <p:stCondLst>
+                                            <p:cond delay="0"/>
+                                          </p:stCondLst>
+                                        </p:cTn>
+                                        <p:tgtEl>
+                                          <p:spTgt spid="507907">
+                                            <p:txEl>
+                                              <p:pRg st="7" end="7"/>
+                                            </p:txEl>
+                                          </p:spTgt>
+                                        </p:tgtEl>
+                                        <p:attrNameLst>
+                                          <p:attrName>style.visibility</p:attrName>
+                                        </p:attrNameLst>
+                                      </p:cBhvr>
+                                      <p:to>
+                                        <p:strVal val="visible"/>
+                                      </p:to>
+                                    </p:set>
+                                  </p:childTnLst>
+                                </p:cTn>
+                              </p:par>
+                            </p:childTnLst>
+                          </p:cTn>
+                        </p:par>
+                      </p:childTnLst>
+                    </p:cTn>
+                  </p:par>
+                </p:childTnLst>
+              </p:cTn>
+              <p:prevCondLst>
+                <p:cond evt="onPrev" delay="0">
+                  <p:tgtEl>
+                    <p:sldTgt/>
+                  </p:tgtEl>
+                </p:cond>
+              </p:prevCondLst>
+              <p:nextCondLst>
+                <p:cond evt="onNext" delay="0">
+                  <p:tgtEl>
+                    <p:sldTgt/>
+                  </p:tgtEl>
+                </p:cond>
+              </p:nextCondLst>
+            </p:seq>
+          </p:childTnLst>
+        </p:cTn>
+      </p:par>
+    </p:tnLst>
+  </p:timing>
 </p:sld>
 </file>
 
@@ -9361,6 +11027,352 @@
   <p:clrMapOvr>
     <a:masterClrMapping/>
   </p:clrMapOvr>
+  <p:timing>
+    <p:tnLst>
+      <p:par>
+        <p:cTn id="1" dur="indefinite" restart="never" nodeType="tmRoot">
+          <p:childTnLst>
+            <p:seq concurrent="1" nextAc="seek">
+              <p:cTn id="2" dur="indefinite" nodeType="mainSeq">
+                <p:childTnLst>
+                  <p:par>
+                    <p:cTn id="3" fill="hold">
+                      <p:stCondLst>
+                        <p:cond delay="indefinite"/>
+                      </p:stCondLst>
+                      <p:childTnLst>
+                        <p:par>
+                          <p:cTn id="4" fill="hold">
+                            <p:stCondLst>
+                              <p:cond delay="0"/>
+                            </p:stCondLst>
+                            <p:childTnLst>
+                              <p:par>
+                                <p:cTn id="5" presetID="1" presetClass="entr" presetSubtype="0" fill="hold" nodeType="clickEffect">
+                                  <p:stCondLst>
+                                    <p:cond delay="0"/>
+                                  </p:stCondLst>
+                                  <p:childTnLst>
+                                    <p:set>
+                                      <p:cBhvr>
+                                        <p:cTn id="6" dur="1" fill="hold">
+                                          <p:stCondLst>
+                                            <p:cond delay="0"/>
+                                          </p:stCondLst>
+                                        </p:cTn>
+                                        <p:tgtEl>
+                                          <p:spTgt spid="15">
+                                            <p:txEl>
+                                              <p:pRg st="2" end="2"/>
+                                            </p:txEl>
+                                          </p:spTgt>
+                                        </p:tgtEl>
+                                        <p:attrNameLst>
+                                          <p:attrName>style.visibility</p:attrName>
+                                        </p:attrNameLst>
+                                      </p:cBhvr>
+                                      <p:to>
+                                        <p:strVal val="visible"/>
+                                      </p:to>
+                                    </p:set>
+                                  </p:childTnLst>
+                                </p:cTn>
+                              </p:par>
+                              <p:par>
+                                <p:cTn id="7" presetID="1" presetClass="entr" presetSubtype="0" fill="hold" grpId="0" nodeType="withEffect">
+                                  <p:stCondLst>
+                                    <p:cond delay="0"/>
+                                  </p:stCondLst>
+                                  <p:childTnLst>
+                                    <p:set>
+                                      <p:cBhvr>
+                                        <p:cTn id="8" dur="1" fill="hold">
+                                          <p:stCondLst>
+                                            <p:cond delay="0"/>
+                                          </p:stCondLst>
+                                        </p:cTn>
+                                        <p:tgtEl>
+                                          <p:spTgt spid="5"/>
+                                        </p:tgtEl>
+                                        <p:attrNameLst>
+                                          <p:attrName>style.visibility</p:attrName>
+                                        </p:attrNameLst>
+                                      </p:cBhvr>
+                                      <p:to>
+                                        <p:strVal val="visible"/>
+                                      </p:to>
+                                    </p:set>
+                                  </p:childTnLst>
+                                </p:cTn>
+                              </p:par>
+                              <p:par>
+                                <p:cTn id="9" presetID="1" presetClass="entr" presetSubtype="0" fill="hold" nodeType="withEffect">
+                                  <p:stCondLst>
+                                    <p:cond delay="0"/>
+                                  </p:stCondLst>
+                                  <p:childTnLst>
+                                    <p:set>
+                                      <p:cBhvr>
+                                        <p:cTn id="10" dur="1" fill="hold">
+                                          <p:stCondLst>
+                                            <p:cond delay="0"/>
+                                          </p:stCondLst>
+                                        </p:cTn>
+                                        <p:tgtEl>
+                                          <p:spTgt spid="5">
+                                            <p:txEl>
+                                              <p:pRg st="0" end="0"/>
+                                            </p:txEl>
+                                          </p:spTgt>
+                                        </p:tgtEl>
+                                        <p:attrNameLst>
+                                          <p:attrName>style.visibility</p:attrName>
+                                        </p:attrNameLst>
+                                      </p:cBhvr>
+                                      <p:to>
+                                        <p:strVal val="visible"/>
+                                      </p:to>
+                                    </p:set>
+                                  </p:childTnLst>
+                                </p:cTn>
+                              </p:par>
+                              <p:par>
+                                <p:cTn id="11" presetID="1" presetClass="entr" presetSubtype="0" fill="hold" nodeType="withEffect">
+                                  <p:stCondLst>
+                                    <p:cond delay="0"/>
+                                  </p:stCondLst>
+                                  <p:childTnLst>
+                                    <p:set>
+                                      <p:cBhvr>
+                                        <p:cTn id="12" dur="1" fill="hold">
+                                          <p:stCondLst>
+                                            <p:cond delay="0"/>
+                                          </p:stCondLst>
+                                        </p:cTn>
+                                        <p:tgtEl>
+                                          <p:spTgt spid="5">
+                                            <p:txEl>
+                                              <p:pRg st="1" end="1"/>
+                                            </p:txEl>
+                                          </p:spTgt>
+                                        </p:tgtEl>
+                                        <p:attrNameLst>
+                                          <p:attrName>style.visibility</p:attrName>
+                                        </p:attrNameLst>
+                                      </p:cBhvr>
+                                      <p:to>
+                                        <p:strVal val="visible"/>
+                                      </p:to>
+                                    </p:set>
+                                  </p:childTnLst>
+                                </p:cTn>
+                              </p:par>
+                            </p:childTnLst>
+                          </p:cTn>
+                        </p:par>
+                      </p:childTnLst>
+                    </p:cTn>
+                  </p:par>
+                  <p:par>
+                    <p:cTn id="13" fill="hold">
+                      <p:stCondLst>
+                        <p:cond delay="indefinite"/>
+                      </p:stCondLst>
+                      <p:childTnLst>
+                        <p:par>
+                          <p:cTn id="14" fill="hold">
+                            <p:stCondLst>
+                              <p:cond delay="0"/>
+                            </p:stCondLst>
+                            <p:childTnLst>
+                              <p:par>
+                                <p:cTn id="15" presetID="1" presetClass="entr" presetSubtype="0" fill="hold" nodeType="clickEffect">
+                                  <p:stCondLst>
+                                    <p:cond delay="0"/>
+                                  </p:stCondLst>
+                                  <p:childTnLst>
+                                    <p:set>
+                                      <p:cBhvr>
+                                        <p:cTn id="16" dur="1" fill="hold">
+                                          <p:stCondLst>
+                                            <p:cond delay="0"/>
+                                          </p:stCondLst>
+                                        </p:cTn>
+                                        <p:tgtEl>
+                                          <p:spTgt spid="5">
+                                            <p:txEl>
+                                              <p:pRg st="2" end="2"/>
+                                            </p:txEl>
+                                          </p:spTgt>
+                                        </p:tgtEl>
+                                        <p:attrNameLst>
+                                          <p:attrName>style.visibility</p:attrName>
+                                        </p:attrNameLst>
+                                      </p:cBhvr>
+                                      <p:to>
+                                        <p:strVal val="visible"/>
+                                      </p:to>
+                                    </p:set>
+                                  </p:childTnLst>
+                                </p:cTn>
+                              </p:par>
+                            </p:childTnLst>
+                          </p:cTn>
+                        </p:par>
+                      </p:childTnLst>
+                    </p:cTn>
+                  </p:par>
+                  <p:par>
+                    <p:cTn id="17" fill="hold">
+                      <p:stCondLst>
+                        <p:cond delay="indefinite"/>
+                      </p:stCondLst>
+                      <p:childTnLst>
+                        <p:par>
+                          <p:cTn id="18" fill="hold">
+                            <p:stCondLst>
+                              <p:cond delay="0"/>
+                            </p:stCondLst>
+                            <p:childTnLst>
+                              <p:par>
+                                <p:cTn id="19" presetID="1" presetClass="entr" presetSubtype="0" fill="hold" nodeType="clickEffect">
+                                  <p:stCondLst>
+                                    <p:cond delay="0"/>
+                                  </p:stCondLst>
+                                  <p:childTnLst>
+                                    <p:set>
+                                      <p:cBhvr>
+                                        <p:cTn id="20" dur="1" fill="hold">
+                                          <p:stCondLst>
+                                            <p:cond delay="0"/>
+                                          </p:stCondLst>
+                                        </p:cTn>
+                                        <p:tgtEl>
+                                          <p:spTgt spid="5">
+                                            <p:txEl>
+                                              <p:pRg st="3" end="3"/>
+                                            </p:txEl>
+                                          </p:spTgt>
+                                        </p:tgtEl>
+                                        <p:attrNameLst>
+                                          <p:attrName>style.visibility</p:attrName>
+                                        </p:attrNameLst>
+                                      </p:cBhvr>
+                                      <p:to>
+                                        <p:strVal val="visible"/>
+                                      </p:to>
+                                    </p:set>
+                                  </p:childTnLst>
+                                </p:cTn>
+                              </p:par>
+                              <p:par>
+                                <p:cTn id="21" presetID="1" presetClass="entr" presetSubtype="0" fill="hold" nodeType="withEffect">
+                                  <p:stCondLst>
+                                    <p:cond delay="0"/>
+                                  </p:stCondLst>
+                                  <p:childTnLst>
+                                    <p:set>
+                                      <p:cBhvr>
+                                        <p:cTn id="22" dur="1" fill="hold">
+                                          <p:stCondLst>
+                                            <p:cond delay="0"/>
+                                          </p:stCondLst>
+                                        </p:cTn>
+                                        <p:tgtEl>
+                                          <p:spTgt spid="5">
+                                            <p:txEl>
+                                              <p:pRg st="4" end="4"/>
+                                            </p:txEl>
+                                          </p:spTgt>
+                                        </p:tgtEl>
+                                        <p:attrNameLst>
+                                          <p:attrName>style.visibility</p:attrName>
+                                        </p:attrNameLst>
+                                      </p:cBhvr>
+                                      <p:to>
+                                        <p:strVal val="visible"/>
+                                      </p:to>
+                                    </p:set>
+                                  </p:childTnLst>
+                                </p:cTn>
+                              </p:par>
+                            </p:childTnLst>
+                          </p:cTn>
+                        </p:par>
+                      </p:childTnLst>
+                    </p:cTn>
+                  </p:par>
+                  <p:par>
+                    <p:cTn id="23" fill="hold">
+                      <p:stCondLst>
+                        <p:cond delay="indefinite"/>
+                      </p:stCondLst>
+                      <p:childTnLst>
+                        <p:par>
+                          <p:cTn id="24" fill="hold">
+                            <p:stCondLst>
+                              <p:cond delay="0"/>
+                            </p:stCondLst>
+                            <p:childTnLst>
+                              <p:par>
+                                <p:cTn id="25" presetID="1" presetClass="entr" presetSubtype="0" fill="hold" grpId="0" nodeType="clickEffect">
+                                  <p:stCondLst>
+                                    <p:cond delay="0"/>
+                                  </p:stCondLst>
+                                  <p:childTnLst>
+                                    <p:set>
+                                      <p:cBhvr>
+                                        <p:cTn id="26" dur="1" fill="hold">
+                                          <p:stCondLst>
+                                            <p:cond delay="0"/>
+                                          </p:stCondLst>
+                                        </p:cTn>
+                                        <p:tgtEl>
+                                          <p:spTgt spid="2"/>
+                                        </p:tgtEl>
+                                        <p:attrNameLst>
+                                          <p:attrName>style.visibility</p:attrName>
+                                        </p:attrNameLst>
+                                      </p:cBhvr>
+                                      <p:to>
+                                        <p:strVal val="visible"/>
+                                      </p:to>
+                                    </p:set>
+                                  </p:childTnLst>
+                                </p:cTn>
+                              </p:par>
+                            </p:childTnLst>
+                          </p:cTn>
+                        </p:par>
+                      </p:childTnLst>
+                    </p:cTn>
+                  </p:par>
+                </p:childTnLst>
+              </p:cTn>
+              <p:prevCondLst>
+                <p:cond evt="onPrev" delay="0">
+                  <p:tgtEl>
+                    <p:sldTgt/>
+                  </p:tgtEl>
+                </p:cond>
+              </p:prevCondLst>
+              <p:nextCondLst>
+                <p:cond evt="onNext" delay="0">
+                  <p:tgtEl>
+                    <p:sldTgt/>
+                  </p:tgtEl>
+                </p:cond>
+              </p:nextCondLst>
+            </p:seq>
+          </p:childTnLst>
+        </p:cTn>
+      </p:par>
+    </p:tnLst>
+    <p:bldLst>
+      <p:bldP spid="5" grpId="0" animBg="1"/>
+      <p:bldP spid="2" grpId="0"/>
+    </p:bldLst>
+  </p:timing>
 </p:sld>
 </file>
 
@@ -10378,7 +12390,7 @@
                             </p:stCondLst>
                             <p:childTnLst>
                               <p:par>
-                                <p:cTn id="5" presetID="1" presetClass="entr" presetSubtype="0" fill="hold" grpId="0" nodeType="clickEffect">
+                                <p:cTn id="5" presetID="1" presetClass="entr" presetSubtype="0" fill="hold" nodeType="clickEffect">
                                   <p:stCondLst>
                                     <p:cond delay="0"/>
                                   </p:stCondLst>
@@ -10391,7 +12403,301 @@
                                           </p:stCondLst>
                                         </p:cTn>
                                         <p:tgtEl>
+                                          <p:spTgt spid="15">
+                                            <p:txEl>
+                                              <p:pRg st="2" end="2"/>
+                                            </p:txEl>
+                                          </p:spTgt>
+                                        </p:tgtEl>
+                                        <p:attrNameLst>
+                                          <p:attrName>style.visibility</p:attrName>
+                                        </p:attrNameLst>
+                                      </p:cBhvr>
+                                      <p:to>
+                                        <p:strVal val="visible"/>
+                                      </p:to>
+                                    </p:set>
+                                  </p:childTnLst>
+                                </p:cTn>
+                              </p:par>
+                              <p:par>
+                                <p:cTn id="7" presetID="1" presetClass="entr" presetSubtype="0" fill="hold" grpId="0" nodeType="withEffect">
+                                  <p:stCondLst>
+                                    <p:cond delay="0"/>
+                                  </p:stCondLst>
+                                  <p:childTnLst>
+                                    <p:set>
+                                      <p:cBhvr>
+                                        <p:cTn id="8" dur="1" fill="hold">
+                                          <p:stCondLst>
+                                            <p:cond delay="0"/>
+                                          </p:stCondLst>
+                                        </p:cTn>
+                                        <p:tgtEl>
+                                          <p:spTgt spid="8"/>
+                                        </p:tgtEl>
+                                        <p:attrNameLst>
+                                          <p:attrName>style.visibility</p:attrName>
+                                        </p:attrNameLst>
+                                      </p:cBhvr>
+                                      <p:to>
+                                        <p:strVal val="visible"/>
+                                      </p:to>
+                                    </p:set>
+                                  </p:childTnLst>
+                                </p:cTn>
+                              </p:par>
+                              <p:par>
+                                <p:cTn id="9" presetID="1" presetClass="entr" presetSubtype="0" fill="hold" nodeType="withEffect">
+                                  <p:stCondLst>
+                                    <p:cond delay="0"/>
+                                  </p:stCondLst>
+                                  <p:childTnLst>
+                                    <p:set>
+                                      <p:cBhvr>
+                                        <p:cTn id="10" dur="1" fill="hold">
+                                          <p:stCondLst>
+                                            <p:cond delay="0"/>
+                                          </p:stCondLst>
+                                        </p:cTn>
+                                        <p:tgtEl>
+                                          <p:spTgt spid="8">
+                                            <p:txEl>
+                                              <p:pRg st="0" end="0"/>
+                                            </p:txEl>
+                                          </p:spTgt>
+                                        </p:tgtEl>
+                                        <p:attrNameLst>
+                                          <p:attrName>style.visibility</p:attrName>
+                                        </p:attrNameLst>
+                                      </p:cBhvr>
+                                      <p:to>
+                                        <p:strVal val="visible"/>
+                                      </p:to>
+                                    </p:set>
+                                  </p:childTnLst>
+                                </p:cTn>
+                              </p:par>
+                            </p:childTnLst>
+                          </p:cTn>
+                        </p:par>
+                      </p:childTnLst>
+                    </p:cTn>
+                  </p:par>
+                  <p:par>
+                    <p:cTn id="11" fill="hold">
+                      <p:stCondLst>
+                        <p:cond delay="indefinite"/>
+                      </p:stCondLst>
+                      <p:childTnLst>
+                        <p:par>
+                          <p:cTn id="12" fill="hold">
+                            <p:stCondLst>
+                              <p:cond delay="0"/>
+                            </p:stCondLst>
+                            <p:childTnLst>
+                              <p:par>
+                                <p:cTn id="13" presetID="1" presetClass="entr" presetSubtype="0" fill="hold" nodeType="clickEffect">
+                                  <p:stCondLst>
+                                    <p:cond delay="0"/>
+                                  </p:stCondLst>
+                                  <p:childTnLst>
+                                    <p:set>
+                                      <p:cBhvr>
+                                        <p:cTn id="14" dur="1" fill="hold">
+                                          <p:stCondLst>
+                                            <p:cond delay="0"/>
+                                          </p:stCondLst>
+                                        </p:cTn>
+                                        <p:tgtEl>
+                                          <p:spTgt spid="8">
+                                            <p:txEl>
+                                              <p:pRg st="1" end="1"/>
+                                            </p:txEl>
+                                          </p:spTgt>
+                                        </p:tgtEl>
+                                        <p:attrNameLst>
+                                          <p:attrName>style.visibility</p:attrName>
+                                        </p:attrNameLst>
+                                      </p:cBhvr>
+                                      <p:to>
+                                        <p:strVal val="visible"/>
+                                      </p:to>
+                                    </p:set>
+                                  </p:childTnLst>
+                                </p:cTn>
+                              </p:par>
+                            </p:childTnLst>
+                          </p:cTn>
+                        </p:par>
+                      </p:childTnLst>
+                    </p:cTn>
+                  </p:par>
+                  <p:par>
+                    <p:cTn id="15" fill="hold">
+                      <p:stCondLst>
+                        <p:cond delay="indefinite"/>
+                      </p:stCondLst>
+                      <p:childTnLst>
+                        <p:par>
+                          <p:cTn id="16" fill="hold">
+                            <p:stCondLst>
+                              <p:cond delay="0"/>
+                            </p:stCondLst>
+                            <p:childTnLst>
+                              <p:par>
+                                <p:cTn id="17" presetID="1" presetClass="entr" presetSubtype="0" fill="hold" nodeType="clickEffect">
+                                  <p:stCondLst>
+                                    <p:cond delay="0"/>
+                                  </p:stCondLst>
+                                  <p:childTnLst>
+                                    <p:set>
+                                      <p:cBhvr>
+                                        <p:cTn id="18" dur="1" fill="hold">
+                                          <p:stCondLst>
+                                            <p:cond delay="0"/>
+                                          </p:stCondLst>
+                                        </p:cTn>
+                                        <p:tgtEl>
+                                          <p:spTgt spid="8">
+                                            <p:txEl>
+                                              <p:pRg st="2" end="2"/>
+                                            </p:txEl>
+                                          </p:spTgt>
+                                        </p:tgtEl>
+                                        <p:attrNameLst>
+                                          <p:attrName>style.visibility</p:attrName>
+                                        </p:attrNameLst>
+                                      </p:cBhvr>
+                                      <p:to>
+                                        <p:strVal val="visible"/>
+                                      </p:to>
+                                    </p:set>
+                                  </p:childTnLst>
+                                </p:cTn>
+                              </p:par>
+                              <p:par>
+                                <p:cTn id="19" presetID="1" presetClass="entr" presetSubtype="0" fill="hold" nodeType="withEffect">
+                                  <p:stCondLst>
+                                    <p:cond delay="0"/>
+                                  </p:stCondLst>
+                                  <p:childTnLst>
+                                    <p:set>
+                                      <p:cBhvr>
+                                        <p:cTn id="20" dur="1" fill="hold">
+                                          <p:stCondLst>
+                                            <p:cond delay="0"/>
+                                          </p:stCondLst>
+                                        </p:cTn>
+                                        <p:tgtEl>
+                                          <p:spTgt spid="8">
+                                            <p:txEl>
+                                              <p:pRg st="3" end="3"/>
+                                            </p:txEl>
+                                          </p:spTgt>
+                                        </p:tgtEl>
+                                        <p:attrNameLst>
+                                          <p:attrName>style.visibility</p:attrName>
+                                        </p:attrNameLst>
+                                      </p:cBhvr>
+                                      <p:to>
+                                        <p:strVal val="visible"/>
+                                      </p:to>
+                                    </p:set>
+                                  </p:childTnLst>
+                                </p:cTn>
+                              </p:par>
+                              <p:par>
+                                <p:cTn id="21" presetID="1" presetClass="entr" presetSubtype="0" fill="hold" nodeType="withEffect">
+                                  <p:stCondLst>
+                                    <p:cond delay="0"/>
+                                  </p:stCondLst>
+                                  <p:childTnLst>
+                                    <p:set>
+                                      <p:cBhvr>
+                                        <p:cTn id="22" dur="1" fill="hold">
+                                          <p:stCondLst>
+                                            <p:cond delay="0"/>
+                                          </p:stCondLst>
+                                        </p:cTn>
+                                        <p:tgtEl>
+                                          <p:spTgt spid="8">
+                                            <p:txEl>
+                                              <p:pRg st="4" end="4"/>
+                                            </p:txEl>
+                                          </p:spTgt>
+                                        </p:tgtEl>
+                                        <p:attrNameLst>
+                                          <p:attrName>style.visibility</p:attrName>
+                                        </p:attrNameLst>
+                                      </p:cBhvr>
+                                      <p:to>
+                                        <p:strVal val="visible"/>
+                                      </p:to>
+                                    </p:set>
+                                  </p:childTnLst>
+                                </p:cTn>
+                              </p:par>
+                              <p:par>
+                                <p:cTn id="23" presetID="1" presetClass="entr" presetSubtype="0" fill="hold" grpId="0" nodeType="withEffect">
+                                  <p:stCondLst>
+                                    <p:cond delay="0"/>
+                                  </p:stCondLst>
+                                  <p:childTnLst>
+                                    <p:set>
+                                      <p:cBhvr>
+                                        <p:cTn id="24" dur="1" fill="hold">
+                                          <p:stCondLst>
+                                            <p:cond delay="0"/>
+                                          </p:stCondLst>
+                                        </p:cTn>
+                                        <p:tgtEl>
                                           <p:spTgt spid="12"/>
+                                        </p:tgtEl>
+                                        <p:attrNameLst>
+                                          <p:attrName>style.visibility</p:attrName>
+                                        </p:attrNameLst>
+                                      </p:cBhvr>
+                                      <p:to>
+                                        <p:strVal val="visible"/>
+                                      </p:to>
+                                    </p:set>
+                                  </p:childTnLst>
+                                </p:cTn>
+                              </p:par>
+                            </p:childTnLst>
+                          </p:cTn>
+                        </p:par>
+                      </p:childTnLst>
+                    </p:cTn>
+                  </p:par>
+                  <p:par>
+                    <p:cTn id="25" fill="hold">
+                      <p:stCondLst>
+                        <p:cond delay="indefinite"/>
+                      </p:stCondLst>
+                      <p:childTnLst>
+                        <p:par>
+                          <p:cTn id="26" fill="hold">
+                            <p:stCondLst>
+                              <p:cond delay="0"/>
+                            </p:stCondLst>
+                            <p:childTnLst>
+                              <p:par>
+                                <p:cTn id="27" presetID="1" presetClass="entr" presetSubtype="0" fill="hold" grpId="0" nodeType="clickEffect">
+                                  <p:stCondLst>
+                                    <p:cond delay="0"/>
+                                  </p:stCondLst>
+                                  <p:childTnLst>
+                                    <p:set>
+                                      <p:cBhvr>
+                                        <p:cTn id="28" dur="1" fill="hold">
+                                          <p:stCondLst>
+                                            <p:cond delay="0"/>
+                                          </p:stCondLst>
+                                        </p:cTn>
+                                        <p:tgtEl>
+                                          <p:spTgt spid="2"/>
                                         </p:tgtEl>
                                         <p:attrNameLst>
                                           <p:attrName>style.visibility</p:attrName>
@@ -10432,7 +12738,9 @@
       </p:par>
     </p:tnLst>
     <p:bldLst>
+      <p:bldP spid="8" grpId="0" animBg="1"/>
       <p:bldP spid="12" grpId="0" animBg="1"/>
+      <p:bldP spid="2" grpId="0"/>
     </p:bldLst>
   </p:timing>
 </p:sld>
@@ -11352,6 +13660,365 @@
   <p:clrMapOvr>
     <a:masterClrMapping/>
   </p:clrMapOvr>
+  <p:timing>
+    <p:tnLst>
+      <p:par>
+        <p:cTn id="1" dur="indefinite" restart="never" nodeType="tmRoot">
+          <p:childTnLst>
+            <p:seq concurrent="1" nextAc="seek">
+              <p:cTn id="2" dur="indefinite" nodeType="mainSeq">
+                <p:childTnLst>
+                  <p:par>
+                    <p:cTn id="3" fill="hold">
+                      <p:stCondLst>
+                        <p:cond delay="indefinite"/>
+                      </p:stCondLst>
+                      <p:childTnLst>
+                        <p:par>
+                          <p:cTn id="4" fill="hold">
+                            <p:stCondLst>
+                              <p:cond delay="0"/>
+                            </p:stCondLst>
+                            <p:childTnLst>
+                              <p:par>
+                                <p:cTn id="5" presetID="1" presetClass="entr" presetSubtype="0" fill="hold" grpId="0" nodeType="clickEffect">
+                                  <p:stCondLst>
+                                    <p:cond delay="0"/>
+                                  </p:stCondLst>
+                                  <p:childTnLst>
+                                    <p:set>
+                                      <p:cBhvr>
+                                        <p:cTn id="6" dur="1" fill="hold">
+                                          <p:stCondLst>
+                                            <p:cond delay="0"/>
+                                          </p:stCondLst>
+                                        </p:cTn>
+                                        <p:tgtEl>
+                                          <p:spTgt spid="8"/>
+                                        </p:tgtEl>
+                                        <p:attrNameLst>
+                                          <p:attrName>style.visibility</p:attrName>
+                                        </p:attrNameLst>
+                                      </p:cBhvr>
+                                      <p:to>
+                                        <p:strVal val="visible"/>
+                                      </p:to>
+                                    </p:set>
+                                  </p:childTnLst>
+                                </p:cTn>
+                              </p:par>
+                              <p:par>
+                                <p:cTn id="7" presetID="1" presetClass="entr" presetSubtype="0" fill="hold" nodeType="withEffect">
+                                  <p:stCondLst>
+                                    <p:cond delay="0"/>
+                                  </p:stCondLst>
+                                  <p:childTnLst>
+                                    <p:set>
+                                      <p:cBhvr>
+                                        <p:cTn id="8" dur="1" fill="hold">
+                                          <p:stCondLst>
+                                            <p:cond delay="0"/>
+                                          </p:stCondLst>
+                                        </p:cTn>
+                                        <p:tgtEl>
+                                          <p:spTgt spid="8">
+                                            <p:txEl>
+                                              <p:pRg st="0" end="0"/>
+                                            </p:txEl>
+                                          </p:spTgt>
+                                        </p:tgtEl>
+                                        <p:attrNameLst>
+                                          <p:attrName>style.visibility</p:attrName>
+                                        </p:attrNameLst>
+                                      </p:cBhvr>
+                                      <p:to>
+                                        <p:strVal val="visible"/>
+                                      </p:to>
+                                    </p:set>
+                                  </p:childTnLst>
+                                </p:cTn>
+                              </p:par>
+                              <p:par>
+                                <p:cTn id="9" presetID="1" presetClass="entr" presetSubtype="0" fill="hold" nodeType="withEffect">
+                                  <p:stCondLst>
+                                    <p:cond delay="0"/>
+                                  </p:stCondLst>
+                                  <p:childTnLst>
+                                    <p:set>
+                                      <p:cBhvr>
+                                        <p:cTn id="10" dur="1" fill="hold">
+                                          <p:stCondLst>
+                                            <p:cond delay="0"/>
+                                          </p:stCondLst>
+                                        </p:cTn>
+                                        <p:tgtEl>
+                                          <p:spTgt spid="8">
+                                            <p:txEl>
+                                              <p:pRg st="1" end="1"/>
+                                            </p:txEl>
+                                          </p:spTgt>
+                                        </p:tgtEl>
+                                        <p:attrNameLst>
+                                          <p:attrName>style.visibility</p:attrName>
+                                        </p:attrNameLst>
+                                      </p:cBhvr>
+                                      <p:to>
+                                        <p:strVal val="visible"/>
+                                      </p:to>
+                                    </p:set>
+                                  </p:childTnLst>
+                                </p:cTn>
+                              </p:par>
+                              <p:par>
+                                <p:cTn id="11" presetID="1" presetClass="entr" presetSubtype="0" fill="hold" nodeType="withEffect">
+                                  <p:stCondLst>
+                                    <p:cond delay="0"/>
+                                  </p:stCondLst>
+                                  <p:childTnLst>
+                                    <p:set>
+                                      <p:cBhvr>
+                                        <p:cTn id="12" dur="1" fill="hold">
+                                          <p:stCondLst>
+                                            <p:cond delay="0"/>
+                                          </p:stCondLst>
+                                        </p:cTn>
+                                        <p:tgtEl>
+                                          <p:spTgt spid="8">
+                                            <p:txEl>
+                                              <p:pRg st="2" end="2"/>
+                                            </p:txEl>
+                                          </p:spTgt>
+                                        </p:tgtEl>
+                                        <p:attrNameLst>
+                                          <p:attrName>style.visibility</p:attrName>
+                                        </p:attrNameLst>
+                                      </p:cBhvr>
+                                      <p:to>
+                                        <p:strVal val="visible"/>
+                                      </p:to>
+                                    </p:set>
+                                  </p:childTnLst>
+                                </p:cTn>
+                              </p:par>
+                              <p:par>
+                                <p:cTn id="13" presetID="1" presetClass="entr" presetSubtype="0" fill="hold" nodeType="withEffect">
+                                  <p:stCondLst>
+                                    <p:cond delay="0"/>
+                                  </p:stCondLst>
+                                  <p:childTnLst>
+                                    <p:set>
+                                      <p:cBhvr>
+                                        <p:cTn id="14" dur="1" fill="hold">
+                                          <p:stCondLst>
+                                            <p:cond delay="0"/>
+                                          </p:stCondLst>
+                                        </p:cTn>
+                                        <p:tgtEl>
+                                          <p:spTgt spid="8">
+                                            <p:txEl>
+                                              <p:pRg st="3" end="3"/>
+                                            </p:txEl>
+                                          </p:spTgt>
+                                        </p:tgtEl>
+                                        <p:attrNameLst>
+                                          <p:attrName>style.visibility</p:attrName>
+                                        </p:attrNameLst>
+                                      </p:cBhvr>
+                                      <p:to>
+                                        <p:strVal val="visible"/>
+                                      </p:to>
+                                    </p:set>
+                                  </p:childTnLst>
+                                </p:cTn>
+                              </p:par>
+                            </p:childTnLst>
+                          </p:cTn>
+                        </p:par>
+                      </p:childTnLst>
+                    </p:cTn>
+                  </p:par>
+                  <p:par>
+                    <p:cTn id="15" fill="hold">
+                      <p:stCondLst>
+                        <p:cond delay="indefinite"/>
+                      </p:stCondLst>
+                      <p:childTnLst>
+                        <p:par>
+                          <p:cTn id="16" fill="hold">
+                            <p:stCondLst>
+                              <p:cond delay="0"/>
+                            </p:stCondLst>
+                            <p:childTnLst>
+                              <p:par>
+                                <p:cTn id="17" presetID="1" presetClass="entr" presetSubtype="0" fill="hold" nodeType="clickEffect">
+                                  <p:stCondLst>
+                                    <p:cond delay="0"/>
+                                  </p:stCondLst>
+                                  <p:childTnLst>
+                                    <p:set>
+                                      <p:cBhvr>
+                                        <p:cTn id="18" dur="1" fill="hold">
+                                          <p:stCondLst>
+                                            <p:cond delay="0"/>
+                                          </p:stCondLst>
+                                        </p:cTn>
+                                        <p:tgtEl>
+                                          <p:spTgt spid="8">
+                                            <p:txEl>
+                                              <p:pRg st="4" end="4"/>
+                                            </p:txEl>
+                                          </p:spTgt>
+                                        </p:tgtEl>
+                                        <p:attrNameLst>
+                                          <p:attrName>style.visibility</p:attrName>
+                                        </p:attrNameLst>
+                                      </p:cBhvr>
+                                      <p:to>
+                                        <p:strVal val="visible"/>
+                                      </p:to>
+                                    </p:set>
+                                  </p:childTnLst>
+                                </p:cTn>
+                              </p:par>
+                              <p:par>
+                                <p:cTn id="19" presetID="1" presetClass="entr" presetSubtype="0" fill="hold" nodeType="withEffect">
+                                  <p:stCondLst>
+                                    <p:cond delay="0"/>
+                                  </p:stCondLst>
+                                  <p:childTnLst>
+                                    <p:set>
+                                      <p:cBhvr>
+                                        <p:cTn id="20" dur="1" fill="hold">
+                                          <p:stCondLst>
+                                            <p:cond delay="0"/>
+                                          </p:stCondLst>
+                                        </p:cTn>
+                                        <p:tgtEl>
+                                          <p:spTgt spid="8">
+                                            <p:txEl>
+                                              <p:pRg st="5" end="5"/>
+                                            </p:txEl>
+                                          </p:spTgt>
+                                        </p:tgtEl>
+                                        <p:attrNameLst>
+                                          <p:attrName>style.visibility</p:attrName>
+                                        </p:attrNameLst>
+                                      </p:cBhvr>
+                                      <p:to>
+                                        <p:strVal val="visible"/>
+                                      </p:to>
+                                    </p:set>
+                                  </p:childTnLst>
+                                </p:cTn>
+                              </p:par>
+                              <p:par>
+                                <p:cTn id="21" presetID="1" presetClass="entr" presetSubtype="0" fill="hold" nodeType="withEffect">
+                                  <p:stCondLst>
+                                    <p:cond delay="0"/>
+                                  </p:stCondLst>
+                                  <p:childTnLst>
+                                    <p:set>
+                                      <p:cBhvr>
+                                        <p:cTn id="22" dur="1" fill="hold">
+                                          <p:stCondLst>
+                                            <p:cond delay="0"/>
+                                          </p:stCondLst>
+                                        </p:cTn>
+                                        <p:tgtEl>
+                                          <p:spTgt spid="8">
+                                            <p:txEl>
+                                              <p:pRg st="6" end="6"/>
+                                            </p:txEl>
+                                          </p:spTgt>
+                                        </p:tgtEl>
+                                        <p:attrNameLst>
+                                          <p:attrName>style.visibility</p:attrName>
+                                        </p:attrNameLst>
+                                      </p:cBhvr>
+                                      <p:to>
+                                        <p:strVal val="visible"/>
+                                      </p:to>
+                                    </p:set>
+                                  </p:childTnLst>
+                                </p:cTn>
+                              </p:par>
+                            </p:childTnLst>
+                          </p:cTn>
+                        </p:par>
+                      </p:childTnLst>
+                    </p:cTn>
+                  </p:par>
+                  <p:par>
+                    <p:cTn id="23" fill="hold">
+                      <p:stCondLst>
+                        <p:cond delay="indefinite"/>
+                      </p:stCondLst>
+                      <p:childTnLst>
+                        <p:par>
+                          <p:cTn id="24" fill="hold">
+                            <p:stCondLst>
+                              <p:cond delay="0"/>
+                            </p:stCondLst>
+                            <p:childTnLst>
+                              <p:par>
+                                <p:cTn id="25" presetID="1" presetClass="entr" presetSubtype="0" fill="hold" grpId="0" nodeType="clickEffect">
+                                  <p:stCondLst>
+                                    <p:cond delay="0"/>
+                                  </p:stCondLst>
+                                  <p:childTnLst>
+                                    <p:set>
+                                      <p:cBhvr>
+                                        <p:cTn id="26" dur="1" fill="hold">
+                                          <p:stCondLst>
+                                            <p:cond delay="0"/>
+                                          </p:stCondLst>
+                                        </p:cTn>
+                                        <p:tgtEl>
+                                          <p:spTgt spid="2"/>
+                                        </p:tgtEl>
+                                        <p:attrNameLst>
+                                          <p:attrName>style.visibility</p:attrName>
+                                        </p:attrNameLst>
+                                      </p:cBhvr>
+                                      <p:to>
+                                        <p:strVal val="visible"/>
+                                      </p:to>
+                                    </p:set>
+                                  </p:childTnLst>
+                                </p:cTn>
+                              </p:par>
+                            </p:childTnLst>
+                          </p:cTn>
+                        </p:par>
+                      </p:childTnLst>
+                    </p:cTn>
+                  </p:par>
+                </p:childTnLst>
+              </p:cTn>
+              <p:prevCondLst>
+                <p:cond evt="onPrev" delay="0">
+                  <p:tgtEl>
+                    <p:sldTgt/>
+                  </p:tgtEl>
+                </p:cond>
+              </p:prevCondLst>
+              <p:nextCondLst>
+                <p:cond evt="onNext" delay="0">
+                  <p:tgtEl>
+                    <p:sldTgt/>
+                  </p:tgtEl>
+                </p:cond>
+              </p:nextCondLst>
+            </p:seq>
+          </p:childTnLst>
+        </p:cTn>
+      </p:par>
+    </p:tnLst>
+    <p:bldLst>
+      <p:bldP spid="8" grpId="0" animBg="1"/>
+      <p:bldP spid="2" grpId="0"/>
+    </p:bldLst>
+  </p:timing>
 </p:sld>
 </file>
 
